--- a/Presentation.pptx
+++ b/Presentation.pptx
@@ -1,19 +1,19 @@
 
 <file path=ppt/presentation.xml><?xml version="1.0" encoding="utf-8"?>
-<p:presentation xmlns:a="http://schemas.openxmlformats.org/drawingml/2006/main" xmlns:r="http://schemas.openxmlformats.org/officeDocument/2006/relationships" xmlns:p="http://schemas.openxmlformats.org/presentationml/2006/main">
+<p:presentation xmlns:a="http://schemas.openxmlformats.org/drawingml/2006/main" xmlns:r="http://schemas.openxmlformats.org/officeDocument/2006/relationships" xmlns:p="http://schemas.openxmlformats.org/presentationml/2006/main" saveSubsetFonts="1">
   <p:sldMasterIdLst>
-    <p:sldMasterId id="2147483648" r:id="rId5"/>
+    <p:sldMasterId id="2147483648" r:id="rId1"/>
   </p:sldMasterIdLst>
   <p:notesMasterIdLst>
-    <p:notesMasterId r:id="rId7"/>
+    <p:notesMasterId r:id="rId8"/>
   </p:notesMasterIdLst>
   <p:sldIdLst>
-    <p:sldId id="256" r:id="rId8"/>
-    <p:sldId id="257" r:id="rId9"/>
-    <p:sldId id="258" r:id="rId10"/>
-    <p:sldId id="259" r:id="rId11"/>
-    <p:sldId id="260" r:id="rId12"/>
-    <p:sldId id="261" r:id="rId13"/>
+    <p:sldId id="256" r:id="rId2"/>
+    <p:sldId id="257" r:id="rId3"/>
+    <p:sldId id="258" r:id="rId4"/>
+    <p:sldId id="259" r:id="rId5"/>
+    <p:sldId id="260" r:id="rId6"/>
+    <p:sldId id="261" r:id="rId7"/>
   </p:sldIdLst>
   <p:sldSz cx="13004800" cy="9753600"/>
   <p:notesSz cx="6858000" cy="9144000"/>
@@ -33,7 +33,7 @@
       <a:buFontTx/>
       <a:buNone/>
       <a:tabLst/>
-      <a:defRPr b="0" baseline="0" cap="none" i="0" spc="0" strike="noStrike" sz="1800" u="none" kumimoji="0" normalizeH="0">
+      <a:defRPr kumimoji="0" sz="1800" b="0" i="0" u="none" strike="noStrike" cap="none" spc="0" normalizeH="0" baseline="0">
         <a:ln>
           <a:noFill/>
         </a:ln>
@@ -59,7 +59,7 @@
       <a:buFontTx/>
       <a:buNone/>
       <a:tabLst/>
-      <a:defRPr b="0" baseline="0" cap="none" i="0" spc="0" strike="noStrike" sz="3600" u="none" kumimoji="0" normalizeH="0">
+      <a:defRPr kumimoji="0" sz="3600" b="0" i="0" u="none" strike="noStrike" cap="none" spc="0" normalizeH="0" baseline="0">
         <a:ln>
           <a:noFill/>
         </a:ln>
@@ -89,7 +89,7 @@
       <a:buFontTx/>
       <a:buNone/>
       <a:tabLst/>
-      <a:defRPr b="0" baseline="0" cap="none" i="0" spc="0" strike="noStrike" sz="3600" u="none" kumimoji="0" normalizeH="0">
+      <a:defRPr kumimoji="0" sz="3600" b="0" i="0" u="none" strike="noStrike" cap="none" spc="0" normalizeH="0" baseline="0">
         <a:ln>
           <a:noFill/>
         </a:ln>
@@ -119,7 +119,7 @@
       <a:buFontTx/>
       <a:buNone/>
       <a:tabLst/>
-      <a:defRPr b="0" baseline="0" cap="none" i="0" spc="0" strike="noStrike" sz="3600" u="none" kumimoji="0" normalizeH="0">
+      <a:defRPr kumimoji="0" sz="3600" b="0" i="0" u="none" strike="noStrike" cap="none" spc="0" normalizeH="0" baseline="0">
         <a:ln>
           <a:noFill/>
         </a:ln>
@@ -149,7 +149,7 @@
       <a:buFontTx/>
       <a:buNone/>
       <a:tabLst/>
-      <a:defRPr b="0" baseline="0" cap="none" i="0" spc="0" strike="noStrike" sz="3600" u="none" kumimoji="0" normalizeH="0">
+      <a:defRPr kumimoji="0" sz="3600" b="0" i="0" u="none" strike="noStrike" cap="none" spc="0" normalizeH="0" baseline="0">
         <a:ln>
           <a:noFill/>
         </a:ln>
@@ -179,7 +179,7 @@
       <a:buFontTx/>
       <a:buNone/>
       <a:tabLst/>
-      <a:defRPr b="0" baseline="0" cap="none" i="0" spc="0" strike="noStrike" sz="3600" u="none" kumimoji="0" normalizeH="0">
+      <a:defRPr kumimoji="0" sz="3600" b="0" i="0" u="none" strike="noStrike" cap="none" spc="0" normalizeH="0" baseline="0">
         <a:ln>
           <a:noFill/>
         </a:ln>
@@ -209,7 +209,7 @@
       <a:buFontTx/>
       <a:buNone/>
       <a:tabLst/>
-      <a:defRPr b="0" baseline="0" cap="none" i="0" spc="0" strike="noStrike" sz="3600" u="none" kumimoji="0" normalizeH="0">
+      <a:defRPr kumimoji="0" sz="3600" b="0" i="0" u="none" strike="noStrike" cap="none" spc="0" normalizeH="0" baseline="0">
         <a:ln>
           <a:noFill/>
         </a:ln>
@@ -239,7 +239,7 @@
       <a:buFontTx/>
       <a:buNone/>
       <a:tabLst/>
-      <a:defRPr b="0" baseline="0" cap="none" i="0" spc="0" strike="noStrike" sz="3600" u="none" kumimoji="0" normalizeH="0">
+      <a:defRPr kumimoji="0" sz="3600" b="0" i="0" u="none" strike="noStrike" cap="none" spc="0" normalizeH="0" baseline="0">
         <a:ln>
           <a:noFill/>
         </a:ln>
@@ -269,7 +269,7 @@
       <a:buFontTx/>
       <a:buNone/>
       <a:tabLst/>
-      <a:defRPr b="0" baseline="0" cap="none" i="0" spc="0" strike="noStrike" sz="3600" u="none" kumimoji="0" normalizeH="0">
+      <a:defRPr kumimoji="0" sz="3600" b="0" i="0" u="none" strike="noStrike" cap="none" spc="0" normalizeH="0" baseline="0">
         <a:ln>
           <a:noFill/>
         </a:ln>
@@ -299,7 +299,7 @@
       <a:buFontTx/>
       <a:buNone/>
       <a:tabLst/>
-      <a:defRPr b="0" baseline="0" cap="none" i="0" spc="0" strike="noStrike" sz="3600" u="none" kumimoji="0" normalizeH="0">
+      <a:defRPr kumimoji="0" sz="3600" b="0" i="0" u="none" strike="noStrike" cap="none" spc="0" normalizeH="0" baseline="0">
         <a:ln>
           <a:noFill/>
         </a:ln>
@@ -318,13 +318,14 @@
 </p:presentation>
 </file>
 
-<file path=ppt/commentAuthors.xml><?xml version="1.0" encoding="utf-8"?>
-<p:cmAuthorLst xmlns:a="http://schemas.openxmlformats.org/drawingml/2006/main" xmlns:r="http://schemas.openxmlformats.org/officeDocument/2006/relationships" xmlns:p="http://schemas.openxmlformats.org/presentationml/2006/main"/>
-</file>
-
 <file path=ppt/notesMasters/notesMaster1.xml><?xml version="1.0" encoding="utf-8"?>
 <p:notesMaster xmlns:a="http://schemas.openxmlformats.org/drawingml/2006/main" xmlns:r="http://schemas.openxmlformats.org/officeDocument/2006/relationships" xmlns:p="http://schemas.openxmlformats.org/presentationml/2006/main">
   <p:cSld>
+    <p:bg>
+      <p:bgRef idx="1001">
+        <a:schemeClr val="bg1"/>
+      </p:bgRef>
+    </p:bg>
     <p:spTree>
       <p:nvGrpSpPr>
         <p:cNvPr id="1" name=""/>
@@ -342,7 +343,9 @@
       <p:sp>
         <p:nvSpPr>
           <p:cNvPr id="116" name="Shape 116"/>
-          <p:cNvSpPr/>
+          <p:cNvSpPr>
+            <a:spLocks noGrp="1" noRot="1" noChangeAspect="1"/>
+          </p:cNvSpPr>
           <p:nvPr>
             <p:ph type="sldImg"/>
           </p:nvPr>
@@ -360,14 +363,16 @@
           <a:bodyPr/>
           <a:lstStyle/>
           <a:p>
-            <a:pPr/>
+            <a:endParaRPr/>
           </a:p>
         </p:txBody>
       </p:sp>
       <p:sp>
         <p:nvSpPr>
           <p:cNvPr id="117" name="Shape 117"/>
-          <p:cNvSpPr/>
+          <p:cNvSpPr>
+            <a:spLocks noGrp="1"/>
+          </p:cNvSpPr>
           <p:nvPr>
             <p:ph type="body" sz="quarter" idx="1"/>
           </p:nvPr>
@@ -385,7 +390,7 @@
           <a:bodyPr/>
           <a:lstStyle/>
           <a:p>
-            <a:pPr/>
+            <a:endParaRPr/>
           </a:p>
         </p:txBody>
       </p:sp>
@@ -497,7 +502,7 @@
 </file>
 
 <file path=ppt/slideLayouts/slideLayout1.xml><?xml version="1.0" encoding="utf-8"?>
-<p:sldLayout xmlns:a="http://schemas.openxmlformats.org/drawingml/2006/main" xmlns:r="http://schemas.openxmlformats.org/officeDocument/2006/relationships" xmlns:p="http://schemas.openxmlformats.org/presentationml/2006/main" type="title" showMasterSp="1" showMasterPhAnim="1">
+<p:sldLayout xmlns:a="http://schemas.openxmlformats.org/drawingml/2006/main" xmlns:r="http://schemas.openxmlformats.org/officeDocument/2006/relationships" xmlns:p="http://schemas.openxmlformats.org/presentationml/2006/main" type="title">
   <p:cSld name="标题与副标题">
     <p:spTree>
       <p:nvGrpSpPr>
@@ -516,7 +521,9 @@
       <p:sp>
         <p:nvSpPr>
           <p:cNvPr id="11" name="标题文本"/>
-          <p:cNvSpPr/>
+          <p:cNvSpPr>
+            <a:spLocks noGrp="1"/>
+          </p:cNvSpPr>
           <p:nvPr>
             <p:ph type="title"/>
           </p:nvPr>
@@ -534,7 +541,6 @@
           <a:bodyPr anchor="b"/>
           <a:lstStyle/>
           <a:p>
-            <a:pPr/>
             <a:r>
               <a:t>标题文本</a:t>
             </a:r>
@@ -544,7 +550,9 @@
       <p:sp>
         <p:nvSpPr>
           <p:cNvPr id="12" name="正文级别 1…"/>
-          <p:cNvSpPr/>
+          <p:cNvSpPr>
+            <a:spLocks noGrp="1"/>
+          </p:cNvSpPr>
           <p:nvPr>
             <p:ph type="body" sz="quarter" idx="1"/>
           </p:nvPr>
@@ -603,7 +611,6 @@
             </a:lvl5pPr>
           </a:lstStyle>
           <a:p>
-            <a:pPr/>
             <a:r>
               <a:t>正文级别 1</a:t>
             </a:r>
@@ -637,7 +644,9 @@
       <p:sp>
         <p:nvSpPr>
           <p:cNvPr id="13" name="幻灯片编号"/>
-          <p:cNvSpPr/>
+          <p:cNvSpPr>
+            <a:spLocks noGrp="1"/>
+          </p:cNvSpPr>
           <p:nvPr>
             <p:ph type="sldNum" sz="quarter" idx="2"/>
           </p:nvPr>
@@ -651,8 +660,10 @@
           <a:bodyPr/>
           <a:lstStyle/>
           <a:p>
-            <a:pPr/>
-            <a:fld id="{86CB4B4D-7CA3-9044-876B-883B54F8677D}" type="slidenum"/>
+            <a:fld id="{86CB4B4D-7CA3-9044-876B-883B54F8677D}" type="slidenum">
+              <a:t>‹#›</a:t>
+            </a:fld>
+            <a:endParaRPr/>
           </a:p>
         </p:txBody>
       </p:sp>
@@ -661,12 +672,12 @@
   <p:clrMapOvr>
     <a:masterClrMapping/>
   </p:clrMapOvr>
-  <p:transition xmlns:p14="http://schemas.microsoft.com/office/powerpoint/2010/main" spd="med" advClick="1"/>
+  <p:transition spd="med"/>
 </p:sldLayout>
 </file>
 
 <file path=ppt/slideLayouts/slideLayout10.xml><?xml version="1.0" encoding="utf-8"?>
-<p:sldLayout xmlns:a="http://schemas.openxmlformats.org/drawingml/2006/main" xmlns:r="http://schemas.openxmlformats.org/officeDocument/2006/relationships" xmlns:p="http://schemas.openxmlformats.org/presentationml/2006/main" type="tx" showMasterSp="1" showMasterPhAnim="1">
+<p:sldLayout xmlns:a="http://schemas.openxmlformats.org/drawingml/2006/main" xmlns:r="http://schemas.openxmlformats.org/officeDocument/2006/relationships" xmlns:p="http://schemas.openxmlformats.org/presentationml/2006/main" type="tx">
   <p:cSld name="引文">
     <p:spTree>
       <p:nvGrpSpPr>
@@ -685,7 +696,9 @@
       <p:sp>
         <p:nvSpPr>
           <p:cNvPr id="93" name="–Johnny Appleseed"/>
-          <p:cNvSpPr/>
+          <p:cNvSpPr>
+            <a:spLocks noGrp="1"/>
+          </p:cNvSpPr>
           <p:nvPr>
             <p:ph type="body" sz="quarter" idx="13"/>
           </p:nvPr>
@@ -719,7 +732,6 @@
             </a:lvl1pPr>
           </a:lstStyle>
           <a:p>
-            <a:pPr/>
             <a:r>
               <a:t>–Johnny Appleseed</a:t>
             </a:r>
@@ -729,7 +741,9 @@
       <p:sp>
         <p:nvSpPr>
           <p:cNvPr id="94" name="“在此键入引文。”"/>
-          <p:cNvSpPr/>
+          <p:cNvSpPr>
+            <a:spLocks noGrp="1"/>
+          </p:cNvSpPr>
           <p:nvPr>
             <p:ph type="body" sz="quarter" idx="14"/>
           </p:nvPr>
@@ -758,7 +772,6 @@
             </a:lvl1pPr>
           </a:lstStyle>
           <a:p>
-            <a:pPr/>
             <a:r>
               <a:t>“在此键入引文。”</a:t>
             </a:r>
@@ -768,7 +781,9 @@
       <p:sp>
         <p:nvSpPr>
           <p:cNvPr id="95" name="幻灯片编号"/>
-          <p:cNvSpPr/>
+          <p:cNvSpPr>
+            <a:spLocks noGrp="1"/>
+          </p:cNvSpPr>
           <p:nvPr>
             <p:ph type="sldNum" sz="quarter" idx="2"/>
           </p:nvPr>
@@ -782,8 +797,10 @@
           <a:bodyPr/>
           <a:lstStyle/>
           <a:p>
-            <a:pPr/>
-            <a:fld id="{86CB4B4D-7CA3-9044-876B-883B54F8677D}" type="slidenum"/>
+            <a:fld id="{86CB4B4D-7CA3-9044-876B-883B54F8677D}" type="slidenum">
+              <a:t>‹#›</a:t>
+            </a:fld>
+            <a:endParaRPr/>
           </a:p>
         </p:txBody>
       </p:sp>
@@ -792,12 +809,12 @@
   <p:clrMapOvr>
     <a:masterClrMapping/>
   </p:clrMapOvr>
-  <p:transition xmlns:p14="http://schemas.microsoft.com/office/powerpoint/2010/main" spd="med" advClick="1"/>
+  <p:transition spd="med"/>
 </p:sldLayout>
 </file>
 
 <file path=ppt/slideLayouts/slideLayout11.xml><?xml version="1.0" encoding="utf-8"?>
-<p:sldLayout xmlns:a="http://schemas.openxmlformats.org/drawingml/2006/main" xmlns:r="http://schemas.openxmlformats.org/officeDocument/2006/relationships" xmlns:p="http://schemas.openxmlformats.org/presentationml/2006/main" type="tx" showMasterSp="1" showMasterPhAnim="1">
+<p:sldLayout xmlns:a="http://schemas.openxmlformats.org/drawingml/2006/main" xmlns:r="http://schemas.openxmlformats.org/officeDocument/2006/relationships" xmlns:p="http://schemas.openxmlformats.org/presentationml/2006/main" type="tx">
   <p:cSld name="照片">
     <p:spTree>
       <p:nvGrpSpPr>
@@ -816,7 +833,9 @@
       <p:sp>
         <p:nvSpPr>
           <p:cNvPr id="102" name="图像"/>
-          <p:cNvSpPr/>
+          <p:cNvSpPr>
+            <a:spLocks noGrp="1"/>
+          </p:cNvSpPr>
           <p:nvPr>
             <p:ph type="pic" idx="13"/>
           </p:nvPr>
@@ -836,14 +855,16 @@
           </a:bodyPr>
           <a:lstStyle/>
           <a:p>
-            <a:pPr/>
+            <a:endParaRPr/>
           </a:p>
         </p:txBody>
       </p:sp>
       <p:sp>
         <p:nvSpPr>
           <p:cNvPr id="103" name="幻灯片编号"/>
-          <p:cNvSpPr/>
+          <p:cNvSpPr>
+            <a:spLocks noGrp="1"/>
+          </p:cNvSpPr>
           <p:nvPr>
             <p:ph type="sldNum" sz="quarter" idx="2"/>
           </p:nvPr>
@@ -857,8 +878,10 @@
           <a:bodyPr/>
           <a:lstStyle/>
           <a:p>
-            <a:pPr/>
-            <a:fld id="{86CB4B4D-7CA3-9044-876B-883B54F8677D}" type="slidenum"/>
+            <a:fld id="{86CB4B4D-7CA3-9044-876B-883B54F8677D}" type="slidenum">
+              <a:t>‹#›</a:t>
+            </a:fld>
+            <a:endParaRPr/>
           </a:p>
         </p:txBody>
       </p:sp>
@@ -867,12 +890,12 @@
   <p:clrMapOvr>
     <a:masterClrMapping/>
   </p:clrMapOvr>
-  <p:transition xmlns:p14="http://schemas.microsoft.com/office/powerpoint/2010/main" spd="med" advClick="1"/>
+  <p:transition spd="med"/>
 </p:sldLayout>
 </file>
 
 <file path=ppt/slideLayouts/slideLayout12.xml><?xml version="1.0" encoding="utf-8"?>
-<p:sldLayout xmlns:a="http://schemas.openxmlformats.org/drawingml/2006/main" xmlns:r="http://schemas.openxmlformats.org/officeDocument/2006/relationships" xmlns:p="http://schemas.openxmlformats.org/presentationml/2006/main" type="tx" showMasterSp="1" showMasterPhAnim="1">
+<p:sldLayout xmlns:a="http://schemas.openxmlformats.org/drawingml/2006/main" xmlns:r="http://schemas.openxmlformats.org/officeDocument/2006/relationships" xmlns:p="http://schemas.openxmlformats.org/presentationml/2006/main" type="tx">
   <p:cSld name="空白">
     <p:spTree>
       <p:nvGrpSpPr>
@@ -891,7 +914,9 @@
       <p:sp>
         <p:nvSpPr>
           <p:cNvPr id="110" name="幻灯片编号"/>
-          <p:cNvSpPr/>
+          <p:cNvSpPr>
+            <a:spLocks noGrp="1"/>
+          </p:cNvSpPr>
           <p:nvPr>
             <p:ph type="sldNum" sz="quarter" idx="2"/>
           </p:nvPr>
@@ -905,8 +930,10 @@
           <a:bodyPr/>
           <a:lstStyle/>
           <a:p>
-            <a:pPr/>
-            <a:fld id="{86CB4B4D-7CA3-9044-876B-883B54F8677D}" type="slidenum"/>
+            <a:fld id="{86CB4B4D-7CA3-9044-876B-883B54F8677D}" type="slidenum">
+              <a:t>‹#›</a:t>
+            </a:fld>
+            <a:endParaRPr/>
           </a:p>
         </p:txBody>
       </p:sp>
@@ -915,12 +942,12 @@
   <p:clrMapOvr>
     <a:masterClrMapping/>
   </p:clrMapOvr>
-  <p:transition xmlns:p14="http://schemas.microsoft.com/office/powerpoint/2010/main" spd="med" advClick="1"/>
+  <p:transition spd="med"/>
 </p:sldLayout>
 </file>
 
 <file path=ppt/slideLayouts/slideLayout2.xml><?xml version="1.0" encoding="utf-8"?>
-<p:sldLayout xmlns:a="http://schemas.openxmlformats.org/drawingml/2006/main" xmlns:r="http://schemas.openxmlformats.org/officeDocument/2006/relationships" xmlns:p="http://schemas.openxmlformats.org/presentationml/2006/main" type="tx" showMasterSp="1" showMasterPhAnim="1">
+<p:sldLayout xmlns:a="http://schemas.openxmlformats.org/drawingml/2006/main" xmlns:r="http://schemas.openxmlformats.org/officeDocument/2006/relationships" xmlns:p="http://schemas.openxmlformats.org/presentationml/2006/main" type="tx">
   <p:cSld name="照片 - 水平">
     <p:spTree>
       <p:nvGrpSpPr>
@@ -939,7 +966,9 @@
       <p:sp>
         <p:nvSpPr>
           <p:cNvPr id="20" name="图像"/>
-          <p:cNvSpPr/>
+          <p:cNvSpPr>
+            <a:spLocks noGrp="1"/>
+          </p:cNvSpPr>
           <p:nvPr>
             <p:ph type="pic" idx="13"/>
           </p:nvPr>
@@ -959,14 +988,16 @@
           </a:bodyPr>
           <a:lstStyle/>
           <a:p>
-            <a:pPr/>
+            <a:endParaRPr/>
           </a:p>
         </p:txBody>
       </p:sp>
       <p:sp>
         <p:nvSpPr>
           <p:cNvPr id="21" name="标题文本"/>
-          <p:cNvSpPr/>
+          <p:cNvSpPr>
+            <a:spLocks noGrp="1"/>
+          </p:cNvSpPr>
           <p:nvPr>
             <p:ph type="title"/>
           </p:nvPr>
@@ -984,7 +1015,6 @@
           <a:bodyPr anchor="b"/>
           <a:lstStyle/>
           <a:p>
-            <a:pPr/>
             <a:r>
               <a:t>标题文本</a:t>
             </a:r>
@@ -994,7 +1024,9 @@
       <p:sp>
         <p:nvSpPr>
           <p:cNvPr id="22" name="正文级别 1…"/>
-          <p:cNvSpPr/>
+          <p:cNvSpPr>
+            <a:spLocks noGrp="1"/>
+          </p:cNvSpPr>
           <p:nvPr>
             <p:ph type="body" sz="quarter" idx="1"/>
           </p:nvPr>
@@ -1053,7 +1085,6 @@
             </a:lvl5pPr>
           </a:lstStyle>
           <a:p>
-            <a:pPr/>
             <a:r>
               <a:t>正文级别 1</a:t>
             </a:r>
@@ -1087,7 +1118,9 @@
       <p:sp>
         <p:nvSpPr>
           <p:cNvPr id="23" name="幻灯片编号"/>
-          <p:cNvSpPr/>
+          <p:cNvSpPr>
+            <a:spLocks noGrp="1"/>
+          </p:cNvSpPr>
           <p:nvPr>
             <p:ph type="sldNum" sz="quarter" idx="2"/>
           </p:nvPr>
@@ -1105,8 +1138,10 @@
           <a:bodyPr/>
           <a:lstStyle/>
           <a:p>
-            <a:pPr/>
-            <a:fld id="{86CB4B4D-7CA3-9044-876B-883B54F8677D}" type="slidenum"/>
+            <a:fld id="{86CB4B4D-7CA3-9044-876B-883B54F8677D}" type="slidenum">
+              <a:t>‹#›</a:t>
+            </a:fld>
+            <a:endParaRPr/>
           </a:p>
         </p:txBody>
       </p:sp>
@@ -1115,12 +1150,12 @@
   <p:clrMapOvr>
     <a:masterClrMapping/>
   </p:clrMapOvr>
-  <p:transition xmlns:p14="http://schemas.microsoft.com/office/powerpoint/2010/main" spd="med" advClick="1"/>
+  <p:transition spd="med"/>
 </p:sldLayout>
 </file>
 
 <file path=ppt/slideLayouts/slideLayout3.xml><?xml version="1.0" encoding="utf-8"?>
-<p:sldLayout xmlns:a="http://schemas.openxmlformats.org/drawingml/2006/main" xmlns:r="http://schemas.openxmlformats.org/officeDocument/2006/relationships" xmlns:p="http://schemas.openxmlformats.org/presentationml/2006/main" type="tx" showMasterSp="1" showMasterPhAnim="1">
+<p:sldLayout xmlns:a="http://schemas.openxmlformats.org/drawingml/2006/main" xmlns:r="http://schemas.openxmlformats.org/officeDocument/2006/relationships" xmlns:p="http://schemas.openxmlformats.org/presentationml/2006/main" type="tx">
   <p:cSld name="标题 - 居中">
     <p:spTree>
       <p:nvGrpSpPr>
@@ -1139,7 +1174,9 @@
       <p:sp>
         <p:nvSpPr>
           <p:cNvPr id="30" name="标题文本"/>
-          <p:cNvSpPr/>
+          <p:cNvSpPr>
+            <a:spLocks noGrp="1"/>
+          </p:cNvSpPr>
           <p:nvPr>
             <p:ph type="title"/>
           </p:nvPr>
@@ -1157,7 +1194,6 @@
           <a:bodyPr/>
           <a:lstStyle/>
           <a:p>
-            <a:pPr/>
             <a:r>
               <a:t>标题文本</a:t>
             </a:r>
@@ -1167,7 +1203,9 @@
       <p:sp>
         <p:nvSpPr>
           <p:cNvPr id="31" name="幻灯片编号"/>
-          <p:cNvSpPr/>
+          <p:cNvSpPr>
+            <a:spLocks noGrp="1"/>
+          </p:cNvSpPr>
           <p:nvPr>
             <p:ph type="sldNum" sz="quarter" idx="2"/>
           </p:nvPr>
@@ -1181,8 +1219,10 @@
           <a:bodyPr/>
           <a:lstStyle/>
           <a:p>
-            <a:pPr/>
-            <a:fld id="{86CB4B4D-7CA3-9044-876B-883B54F8677D}" type="slidenum"/>
+            <a:fld id="{86CB4B4D-7CA3-9044-876B-883B54F8677D}" type="slidenum">
+              <a:t>‹#›</a:t>
+            </a:fld>
+            <a:endParaRPr/>
           </a:p>
         </p:txBody>
       </p:sp>
@@ -1191,12 +1231,12 @@
   <p:clrMapOvr>
     <a:masterClrMapping/>
   </p:clrMapOvr>
-  <p:transition xmlns:p14="http://schemas.microsoft.com/office/powerpoint/2010/main" spd="med" advClick="1"/>
+  <p:transition spd="med"/>
 </p:sldLayout>
 </file>
 
 <file path=ppt/slideLayouts/slideLayout4.xml><?xml version="1.0" encoding="utf-8"?>
-<p:sldLayout xmlns:a="http://schemas.openxmlformats.org/drawingml/2006/main" xmlns:r="http://schemas.openxmlformats.org/officeDocument/2006/relationships" xmlns:p="http://schemas.openxmlformats.org/presentationml/2006/main" type="tx" showMasterSp="1" showMasterPhAnim="1">
+<p:sldLayout xmlns:a="http://schemas.openxmlformats.org/drawingml/2006/main" xmlns:r="http://schemas.openxmlformats.org/officeDocument/2006/relationships" xmlns:p="http://schemas.openxmlformats.org/presentationml/2006/main" type="tx">
   <p:cSld name="照片 - 垂直">
     <p:spTree>
       <p:nvGrpSpPr>
@@ -1215,7 +1255,9 @@
       <p:sp>
         <p:nvSpPr>
           <p:cNvPr id="38" name="图像"/>
-          <p:cNvSpPr/>
+          <p:cNvSpPr>
+            <a:spLocks noGrp="1"/>
+          </p:cNvSpPr>
           <p:nvPr>
             <p:ph type="pic" sz="half" idx="13"/>
           </p:nvPr>
@@ -1235,14 +1277,16 @@
           </a:bodyPr>
           <a:lstStyle/>
           <a:p>
-            <a:pPr/>
+            <a:endParaRPr/>
           </a:p>
         </p:txBody>
       </p:sp>
       <p:sp>
         <p:nvSpPr>
           <p:cNvPr id="39" name="标题文本"/>
-          <p:cNvSpPr/>
+          <p:cNvSpPr>
+            <a:spLocks noGrp="1"/>
+          </p:cNvSpPr>
           <p:nvPr>
             <p:ph type="title"/>
           </p:nvPr>
@@ -1264,7 +1308,6 @@
             </a:lvl1pPr>
           </a:lstStyle>
           <a:p>
-            <a:pPr/>
             <a:r>
               <a:t>标题文本</a:t>
             </a:r>
@@ -1274,7 +1317,9 @@
       <p:sp>
         <p:nvSpPr>
           <p:cNvPr id="40" name="正文级别 1…"/>
-          <p:cNvSpPr/>
+          <p:cNvSpPr>
+            <a:spLocks noGrp="1"/>
+          </p:cNvSpPr>
           <p:nvPr>
             <p:ph type="body" sz="quarter" idx="1"/>
           </p:nvPr>
@@ -1333,7 +1378,6 @@
             </a:lvl5pPr>
           </a:lstStyle>
           <a:p>
-            <a:pPr/>
             <a:r>
               <a:t>正文级别 1</a:t>
             </a:r>
@@ -1367,7 +1411,9 @@
       <p:sp>
         <p:nvSpPr>
           <p:cNvPr id="41" name="幻灯片编号"/>
-          <p:cNvSpPr/>
+          <p:cNvSpPr>
+            <a:spLocks noGrp="1"/>
+          </p:cNvSpPr>
           <p:nvPr>
             <p:ph type="sldNum" sz="quarter" idx="2"/>
           </p:nvPr>
@@ -1381,8 +1427,10 @@
           <a:bodyPr/>
           <a:lstStyle/>
           <a:p>
-            <a:pPr/>
-            <a:fld id="{86CB4B4D-7CA3-9044-876B-883B54F8677D}" type="slidenum"/>
+            <a:fld id="{86CB4B4D-7CA3-9044-876B-883B54F8677D}" type="slidenum">
+              <a:t>‹#›</a:t>
+            </a:fld>
+            <a:endParaRPr/>
           </a:p>
         </p:txBody>
       </p:sp>
@@ -1391,12 +1439,12 @@
   <p:clrMapOvr>
     <a:masterClrMapping/>
   </p:clrMapOvr>
-  <p:transition xmlns:p14="http://schemas.microsoft.com/office/powerpoint/2010/main" spd="med" advClick="1"/>
+  <p:transition spd="med"/>
 </p:sldLayout>
 </file>
 
 <file path=ppt/slideLayouts/slideLayout5.xml><?xml version="1.0" encoding="utf-8"?>
-<p:sldLayout xmlns:a="http://schemas.openxmlformats.org/drawingml/2006/main" xmlns:r="http://schemas.openxmlformats.org/officeDocument/2006/relationships" xmlns:p="http://schemas.openxmlformats.org/presentationml/2006/main" type="tx" showMasterSp="1" showMasterPhAnim="1">
+<p:sldLayout xmlns:a="http://schemas.openxmlformats.org/drawingml/2006/main" xmlns:r="http://schemas.openxmlformats.org/officeDocument/2006/relationships" xmlns:p="http://schemas.openxmlformats.org/presentationml/2006/main" type="tx">
   <p:cSld name="标题 - 顶部对齐">
     <p:spTree>
       <p:nvGrpSpPr>
@@ -1415,7 +1463,9 @@
       <p:sp>
         <p:nvSpPr>
           <p:cNvPr id="48" name="标题文本"/>
-          <p:cNvSpPr/>
+          <p:cNvSpPr>
+            <a:spLocks noGrp="1"/>
+          </p:cNvSpPr>
           <p:nvPr>
             <p:ph type="title"/>
           </p:nvPr>
@@ -1429,7 +1479,6 @@
           <a:bodyPr/>
           <a:lstStyle/>
           <a:p>
-            <a:pPr/>
             <a:r>
               <a:t>标题文本</a:t>
             </a:r>
@@ -1439,7 +1488,9 @@
       <p:sp>
         <p:nvSpPr>
           <p:cNvPr id="49" name="幻灯片编号"/>
-          <p:cNvSpPr/>
+          <p:cNvSpPr>
+            <a:spLocks noGrp="1"/>
+          </p:cNvSpPr>
           <p:nvPr>
             <p:ph type="sldNum" sz="quarter" idx="2"/>
           </p:nvPr>
@@ -1453,8 +1504,10 @@
           <a:bodyPr/>
           <a:lstStyle/>
           <a:p>
-            <a:pPr/>
-            <a:fld id="{86CB4B4D-7CA3-9044-876B-883B54F8677D}" type="slidenum"/>
+            <a:fld id="{86CB4B4D-7CA3-9044-876B-883B54F8677D}" type="slidenum">
+              <a:t>‹#›</a:t>
+            </a:fld>
+            <a:endParaRPr/>
           </a:p>
         </p:txBody>
       </p:sp>
@@ -1463,12 +1516,12 @@
   <p:clrMapOvr>
     <a:masterClrMapping/>
   </p:clrMapOvr>
-  <p:transition xmlns:p14="http://schemas.microsoft.com/office/powerpoint/2010/main" spd="med" advClick="1"/>
+  <p:transition spd="med"/>
 </p:sldLayout>
 </file>
 
 <file path=ppt/slideLayouts/slideLayout6.xml><?xml version="1.0" encoding="utf-8"?>
-<p:sldLayout xmlns:a="http://schemas.openxmlformats.org/drawingml/2006/main" xmlns:r="http://schemas.openxmlformats.org/officeDocument/2006/relationships" xmlns:p="http://schemas.openxmlformats.org/presentationml/2006/main" type="tx" showMasterSp="1" showMasterPhAnim="1">
+<p:sldLayout xmlns:a="http://schemas.openxmlformats.org/drawingml/2006/main" xmlns:r="http://schemas.openxmlformats.org/officeDocument/2006/relationships" xmlns:p="http://schemas.openxmlformats.org/presentationml/2006/main" type="tx">
   <p:cSld name="标题与项目符号">
     <p:spTree>
       <p:nvGrpSpPr>
@@ -1487,7 +1540,9 @@
       <p:sp>
         <p:nvSpPr>
           <p:cNvPr id="56" name="标题文本"/>
-          <p:cNvSpPr/>
+          <p:cNvSpPr>
+            <a:spLocks noGrp="1"/>
+          </p:cNvSpPr>
           <p:nvPr>
             <p:ph type="title"/>
           </p:nvPr>
@@ -1501,7 +1556,6 @@
           <a:bodyPr/>
           <a:lstStyle/>
           <a:p>
-            <a:pPr/>
             <a:r>
               <a:t>标题文本</a:t>
             </a:r>
@@ -1511,7 +1565,9 @@
       <p:sp>
         <p:nvSpPr>
           <p:cNvPr id="57" name="正文级别 1…"/>
-          <p:cNvSpPr/>
+          <p:cNvSpPr>
+            <a:spLocks noGrp="1"/>
+          </p:cNvSpPr>
           <p:nvPr>
             <p:ph type="body" idx="1"/>
           </p:nvPr>
@@ -1525,7 +1581,6 @@
           <a:bodyPr/>
           <a:lstStyle/>
           <a:p>
-            <a:pPr/>
             <a:r>
               <a:t>正文级别 1</a:t>
             </a:r>
@@ -1559,7 +1614,9 @@
       <p:sp>
         <p:nvSpPr>
           <p:cNvPr id="58" name="幻灯片编号"/>
-          <p:cNvSpPr/>
+          <p:cNvSpPr>
+            <a:spLocks noGrp="1"/>
+          </p:cNvSpPr>
           <p:nvPr>
             <p:ph type="sldNum" sz="quarter" idx="2"/>
           </p:nvPr>
@@ -1573,8 +1630,10 @@
           <a:bodyPr/>
           <a:lstStyle/>
           <a:p>
-            <a:pPr/>
-            <a:fld id="{86CB4B4D-7CA3-9044-876B-883B54F8677D}" type="slidenum"/>
+            <a:fld id="{86CB4B4D-7CA3-9044-876B-883B54F8677D}" type="slidenum">
+              <a:t>‹#›</a:t>
+            </a:fld>
+            <a:endParaRPr/>
           </a:p>
         </p:txBody>
       </p:sp>
@@ -1583,12 +1642,12 @@
   <p:clrMapOvr>
     <a:masterClrMapping/>
   </p:clrMapOvr>
-  <p:transition xmlns:p14="http://schemas.microsoft.com/office/powerpoint/2010/main" spd="med" advClick="1"/>
+  <p:transition spd="med"/>
 </p:sldLayout>
 </file>
 
 <file path=ppt/slideLayouts/slideLayout7.xml><?xml version="1.0" encoding="utf-8"?>
-<p:sldLayout xmlns:a="http://schemas.openxmlformats.org/drawingml/2006/main" xmlns:r="http://schemas.openxmlformats.org/officeDocument/2006/relationships" xmlns:p="http://schemas.openxmlformats.org/presentationml/2006/main" type="tx" showMasterSp="1" showMasterPhAnim="1">
+<p:sldLayout xmlns:a="http://schemas.openxmlformats.org/drawingml/2006/main" xmlns:r="http://schemas.openxmlformats.org/officeDocument/2006/relationships" xmlns:p="http://schemas.openxmlformats.org/presentationml/2006/main" type="tx">
   <p:cSld name="标题、项目符号与照片">
     <p:spTree>
       <p:nvGrpSpPr>
@@ -1607,7 +1666,9 @@
       <p:sp>
         <p:nvSpPr>
           <p:cNvPr id="65" name="图像"/>
-          <p:cNvSpPr/>
+          <p:cNvSpPr>
+            <a:spLocks noGrp="1"/>
+          </p:cNvSpPr>
           <p:nvPr>
             <p:ph type="pic" sz="half" idx="13"/>
           </p:nvPr>
@@ -1627,14 +1688,16 @@
           </a:bodyPr>
           <a:lstStyle/>
           <a:p>
-            <a:pPr/>
+            <a:endParaRPr/>
           </a:p>
         </p:txBody>
       </p:sp>
       <p:sp>
         <p:nvSpPr>
           <p:cNvPr id="66" name="标题文本"/>
-          <p:cNvSpPr/>
+          <p:cNvSpPr>
+            <a:spLocks noGrp="1"/>
+          </p:cNvSpPr>
           <p:nvPr>
             <p:ph type="title"/>
           </p:nvPr>
@@ -1648,7 +1711,6 @@
           <a:bodyPr/>
           <a:lstStyle/>
           <a:p>
-            <a:pPr/>
             <a:r>
               <a:t>标题文本</a:t>
             </a:r>
@@ -1658,7 +1720,9 @@
       <p:sp>
         <p:nvSpPr>
           <p:cNvPr id="67" name="正文级别 1…"/>
-          <p:cNvSpPr/>
+          <p:cNvSpPr>
+            <a:spLocks noGrp="1"/>
+          </p:cNvSpPr>
           <p:nvPr>
             <p:ph type="body" sz="half" idx="1"/>
           </p:nvPr>
@@ -1707,7 +1771,6 @@
             </a:lvl5pPr>
           </a:lstStyle>
           <a:p>
-            <a:pPr/>
             <a:r>
               <a:t>正文级别 1</a:t>
             </a:r>
@@ -1741,7 +1804,9 @@
       <p:sp>
         <p:nvSpPr>
           <p:cNvPr id="68" name="幻灯片编号"/>
-          <p:cNvSpPr/>
+          <p:cNvSpPr>
+            <a:spLocks noGrp="1"/>
+          </p:cNvSpPr>
           <p:nvPr>
             <p:ph type="sldNum" sz="quarter" idx="2"/>
           </p:nvPr>
@@ -1755,8 +1820,10 @@
           <a:bodyPr/>
           <a:lstStyle/>
           <a:p>
-            <a:pPr/>
-            <a:fld id="{86CB4B4D-7CA3-9044-876B-883B54F8677D}" type="slidenum"/>
+            <a:fld id="{86CB4B4D-7CA3-9044-876B-883B54F8677D}" type="slidenum">
+              <a:t>‹#›</a:t>
+            </a:fld>
+            <a:endParaRPr/>
           </a:p>
         </p:txBody>
       </p:sp>
@@ -1765,12 +1832,12 @@
   <p:clrMapOvr>
     <a:masterClrMapping/>
   </p:clrMapOvr>
-  <p:transition xmlns:p14="http://schemas.microsoft.com/office/powerpoint/2010/main" spd="med" advClick="1"/>
+  <p:transition spd="med"/>
 </p:sldLayout>
 </file>
 
 <file path=ppt/slideLayouts/slideLayout8.xml><?xml version="1.0" encoding="utf-8"?>
-<p:sldLayout xmlns:a="http://schemas.openxmlformats.org/drawingml/2006/main" xmlns:r="http://schemas.openxmlformats.org/officeDocument/2006/relationships" xmlns:p="http://schemas.openxmlformats.org/presentationml/2006/main" type="tx" showMasterSp="1" showMasterPhAnim="1">
+<p:sldLayout xmlns:a="http://schemas.openxmlformats.org/drawingml/2006/main" xmlns:r="http://schemas.openxmlformats.org/officeDocument/2006/relationships" xmlns:p="http://schemas.openxmlformats.org/presentationml/2006/main" type="tx">
   <p:cSld name="项目符号">
     <p:spTree>
       <p:nvGrpSpPr>
@@ -1789,7 +1856,9 @@
       <p:sp>
         <p:nvSpPr>
           <p:cNvPr id="75" name="正文级别 1…"/>
-          <p:cNvSpPr/>
+          <p:cNvSpPr>
+            <a:spLocks noGrp="1"/>
+          </p:cNvSpPr>
           <p:nvPr>
             <p:ph type="body" idx="1"/>
           </p:nvPr>
@@ -1807,7 +1876,6 @@
           <a:bodyPr/>
           <a:lstStyle/>
           <a:p>
-            <a:pPr/>
             <a:r>
               <a:t>正文级别 1</a:t>
             </a:r>
@@ -1841,7 +1909,9 @@
       <p:sp>
         <p:nvSpPr>
           <p:cNvPr id="76" name="幻灯片编号"/>
-          <p:cNvSpPr/>
+          <p:cNvSpPr>
+            <a:spLocks noGrp="1"/>
+          </p:cNvSpPr>
           <p:nvPr>
             <p:ph type="sldNum" sz="quarter" idx="2"/>
           </p:nvPr>
@@ -1855,8 +1925,10 @@
           <a:bodyPr/>
           <a:lstStyle/>
           <a:p>
-            <a:pPr/>
-            <a:fld id="{86CB4B4D-7CA3-9044-876B-883B54F8677D}" type="slidenum"/>
+            <a:fld id="{86CB4B4D-7CA3-9044-876B-883B54F8677D}" type="slidenum">
+              <a:t>‹#›</a:t>
+            </a:fld>
+            <a:endParaRPr/>
           </a:p>
         </p:txBody>
       </p:sp>
@@ -1865,12 +1937,12 @@
   <p:clrMapOvr>
     <a:masterClrMapping/>
   </p:clrMapOvr>
-  <p:transition xmlns:p14="http://schemas.microsoft.com/office/powerpoint/2010/main" spd="med" advClick="1"/>
+  <p:transition spd="med"/>
 </p:sldLayout>
 </file>
 
 <file path=ppt/slideLayouts/slideLayout9.xml><?xml version="1.0" encoding="utf-8"?>
-<p:sldLayout xmlns:a="http://schemas.openxmlformats.org/drawingml/2006/main" xmlns:r="http://schemas.openxmlformats.org/officeDocument/2006/relationships" xmlns:p="http://schemas.openxmlformats.org/presentationml/2006/main" type="tx" showMasterSp="1" showMasterPhAnim="1">
+<p:sldLayout xmlns:a="http://schemas.openxmlformats.org/drawingml/2006/main" xmlns:r="http://schemas.openxmlformats.org/officeDocument/2006/relationships" xmlns:p="http://schemas.openxmlformats.org/presentationml/2006/main" type="tx">
   <p:cSld name="照片 - 3 联">
     <p:spTree>
       <p:nvGrpSpPr>
@@ -1889,7 +1961,9 @@
       <p:sp>
         <p:nvSpPr>
           <p:cNvPr id="83" name="图像"/>
-          <p:cNvSpPr/>
+          <p:cNvSpPr>
+            <a:spLocks noGrp="1"/>
+          </p:cNvSpPr>
           <p:nvPr>
             <p:ph type="pic" sz="quarter" idx="13"/>
           </p:nvPr>
@@ -1909,14 +1983,16 @@
           </a:bodyPr>
           <a:lstStyle/>
           <a:p>
-            <a:pPr/>
+            <a:endParaRPr/>
           </a:p>
         </p:txBody>
       </p:sp>
       <p:sp>
         <p:nvSpPr>
           <p:cNvPr id="84" name="图像"/>
-          <p:cNvSpPr/>
+          <p:cNvSpPr>
+            <a:spLocks noGrp="1"/>
+          </p:cNvSpPr>
           <p:nvPr>
             <p:ph type="pic" sz="quarter" idx="14"/>
           </p:nvPr>
@@ -1936,14 +2012,16 @@
           </a:bodyPr>
           <a:lstStyle/>
           <a:p>
-            <a:pPr/>
+            <a:endParaRPr/>
           </a:p>
         </p:txBody>
       </p:sp>
       <p:sp>
         <p:nvSpPr>
           <p:cNvPr id="85" name="图像"/>
-          <p:cNvSpPr/>
+          <p:cNvSpPr>
+            <a:spLocks noGrp="1"/>
+          </p:cNvSpPr>
           <p:nvPr>
             <p:ph type="pic" sz="half" idx="15"/>
           </p:nvPr>
@@ -1963,14 +2041,16 @@
           </a:bodyPr>
           <a:lstStyle/>
           <a:p>
-            <a:pPr/>
+            <a:endParaRPr/>
           </a:p>
         </p:txBody>
       </p:sp>
       <p:sp>
         <p:nvSpPr>
           <p:cNvPr id="86" name="幻灯片编号"/>
-          <p:cNvSpPr/>
+          <p:cNvSpPr>
+            <a:spLocks noGrp="1"/>
+          </p:cNvSpPr>
           <p:nvPr>
             <p:ph type="sldNum" sz="quarter" idx="2"/>
           </p:nvPr>
@@ -1984,8 +2064,10 @@
           <a:bodyPr/>
           <a:lstStyle/>
           <a:p>
-            <a:pPr/>
-            <a:fld id="{86CB4B4D-7CA3-9044-876B-883B54F8677D}" type="slidenum"/>
+            <a:fld id="{86CB4B4D-7CA3-9044-876B-883B54F8677D}" type="slidenum">
+              <a:t>‹#›</a:t>
+            </a:fld>
+            <a:endParaRPr/>
           </a:p>
         </p:txBody>
       </p:sp>
@@ -1994,7 +2076,7 @@
   <p:clrMapOvr>
     <a:masterClrMapping/>
   </p:clrMapOvr>
-  <p:transition xmlns:p14="http://schemas.microsoft.com/office/powerpoint/2010/main" spd="med" advClick="1"/>
+  <p:transition spd="med"/>
 </p:sldLayout>
 </file>
 
@@ -2006,6 +2088,7 @@
         <a:solidFill>
           <a:srgbClr val="FFFFFF"/>
         </a:solidFill>
+        <a:effectLst/>
       </p:bgPr>
     </p:bg>
     <p:spTree>
@@ -2025,7 +2108,9 @@
       <p:sp>
         <p:nvSpPr>
           <p:cNvPr id="2" name="标题文本"/>
-          <p:cNvSpPr/>
+          <p:cNvSpPr>
+            <a:spLocks noGrp="1"/>
+          </p:cNvSpPr>
           <p:nvPr>
             <p:ph type="title"/>
           </p:nvPr>
@@ -2049,11 +2134,10 @@
         </p:spPr>
         <p:txBody>
           <a:bodyPr lIns="50800" tIns="50800" rIns="50800" bIns="50800" anchor="ctr">
-            <a:normAutofit fontScale="100000" lnSpcReduction="0"/>
+            <a:normAutofit/>
           </a:bodyPr>
           <a:lstStyle/>
           <a:p>
-            <a:pPr/>
             <a:r>
               <a:t>标题文本</a:t>
             </a:r>
@@ -2063,7 +2147,9 @@
       <p:sp>
         <p:nvSpPr>
           <p:cNvPr id="3" name="正文级别 1…"/>
-          <p:cNvSpPr/>
+          <p:cNvSpPr>
+            <a:spLocks noGrp="1"/>
+          </p:cNvSpPr>
           <p:nvPr>
             <p:ph type="body" idx="1"/>
           </p:nvPr>
@@ -2087,11 +2173,10 @@
         </p:spPr>
         <p:txBody>
           <a:bodyPr lIns="50800" tIns="50800" rIns="50800" bIns="50800" anchor="ctr">
-            <a:normAutofit fontScale="100000" lnSpcReduction="0"/>
+            <a:normAutofit/>
           </a:bodyPr>
           <a:lstStyle/>
           <a:p>
-            <a:pPr/>
             <a:r>
               <a:t>正文级别 1</a:t>
             </a:r>
@@ -2125,7 +2210,9 @@
       <p:sp>
         <p:nvSpPr>
           <p:cNvPr id="4" name="幻灯片编号"/>
-          <p:cNvSpPr/>
+          <p:cNvSpPr>
+            <a:spLocks noGrp="1"/>
+          </p:cNvSpPr>
           <p:nvPr>
             <p:ph type="sldNum" sz="quarter" idx="2"/>
           </p:nvPr>
@@ -2152,8 +2239,10 @@
             </a:lvl1pPr>
           </a:lstStyle>
           <a:p>
-            <a:pPr/>
-            <a:fld id="{86CB4B4D-7CA3-9044-876B-883B54F8677D}" type="slidenum"/>
+            <a:fld id="{86CB4B4D-7CA3-9044-876B-883B54F8677D}" type="slidenum">
+              <a:t>‹#›</a:t>
+            </a:fld>
+            <a:endParaRPr/>
           </a:p>
         </p:txBody>
       </p:sp>
@@ -2161,20 +2250,20 @@
   </p:cSld>
   <p:clrMap bg1="lt1" tx1="dk1" bg2="lt2" tx2="dk2" accent1="accent1" accent2="accent2" accent3="accent3" accent4="accent4" accent5="accent5" accent6="accent6" hlink="hlink" folHlink="folHlink"/>
   <p:sldLayoutIdLst>
-    <p:sldLayoutId id="2147483649" r:id="rId2"/>
-    <p:sldLayoutId id="2147483650" r:id="rId3"/>
-    <p:sldLayoutId id="2147483651" r:id="rId4"/>
-    <p:sldLayoutId id="2147483652" r:id="rId5"/>
-    <p:sldLayoutId id="2147483653" r:id="rId6"/>
-    <p:sldLayoutId id="2147483654" r:id="rId7"/>
-    <p:sldLayoutId id="2147483655" r:id="rId8"/>
-    <p:sldLayoutId id="2147483656" r:id="rId9"/>
-    <p:sldLayoutId id="2147483657" r:id="rId10"/>
-    <p:sldLayoutId id="2147483658" r:id="rId11"/>
-    <p:sldLayoutId id="2147483659" r:id="rId12"/>
-    <p:sldLayoutId id="2147483660" r:id="rId13"/>
+    <p:sldLayoutId id="2147483649" r:id="rId1"/>
+    <p:sldLayoutId id="2147483650" r:id="rId2"/>
+    <p:sldLayoutId id="2147483651" r:id="rId3"/>
+    <p:sldLayoutId id="2147483652" r:id="rId4"/>
+    <p:sldLayoutId id="2147483653" r:id="rId5"/>
+    <p:sldLayoutId id="2147483654" r:id="rId6"/>
+    <p:sldLayoutId id="2147483655" r:id="rId7"/>
+    <p:sldLayoutId id="2147483656" r:id="rId8"/>
+    <p:sldLayoutId id="2147483657" r:id="rId9"/>
+    <p:sldLayoutId id="2147483658" r:id="rId10"/>
+    <p:sldLayoutId id="2147483659" r:id="rId11"/>
+    <p:sldLayoutId id="2147483660" r:id="rId12"/>
   </p:sldLayoutIdLst>
-  <p:transition xmlns:p14="http://schemas.microsoft.com/office/powerpoint/2010/main" spd="med" advClick="1"/>
+  <p:transition spd="med"/>
   <p:txStyles>
     <p:titleStyle>
       <a:lvl1pPr marL="0" marR="0" indent="0" algn="ctr" defTabSz="584200" rtl="0" latinLnBrk="0">
@@ -2192,7 +2281,7 @@
         <a:buFontTx/>
         <a:buNone/>
         <a:tabLst/>
-        <a:defRPr b="0" baseline="0" cap="none" i="0" spc="0" strike="noStrike" sz="8000" u="none">
+        <a:defRPr sz="8000" b="0" i="0" u="none" strike="noStrike" cap="none" spc="0" baseline="0">
           <a:ln>
             <a:noFill/>
           </a:ln>
@@ -2221,7 +2310,7 @@
         <a:buFontTx/>
         <a:buNone/>
         <a:tabLst/>
-        <a:defRPr b="0" baseline="0" cap="none" i="0" spc="0" strike="noStrike" sz="8000" u="none">
+        <a:defRPr sz="8000" b="0" i="0" u="none" strike="noStrike" cap="none" spc="0" baseline="0">
           <a:ln>
             <a:noFill/>
           </a:ln>
@@ -2250,7 +2339,7 @@
         <a:buFontTx/>
         <a:buNone/>
         <a:tabLst/>
-        <a:defRPr b="0" baseline="0" cap="none" i="0" spc="0" strike="noStrike" sz="8000" u="none">
+        <a:defRPr sz="8000" b="0" i="0" u="none" strike="noStrike" cap="none" spc="0" baseline="0">
           <a:ln>
             <a:noFill/>
           </a:ln>
@@ -2279,7 +2368,7 @@
         <a:buFontTx/>
         <a:buNone/>
         <a:tabLst/>
-        <a:defRPr b="0" baseline="0" cap="none" i="0" spc="0" strike="noStrike" sz="8000" u="none">
+        <a:defRPr sz="8000" b="0" i="0" u="none" strike="noStrike" cap="none" spc="0" baseline="0">
           <a:ln>
             <a:noFill/>
           </a:ln>
@@ -2308,7 +2397,7 @@
         <a:buFontTx/>
         <a:buNone/>
         <a:tabLst/>
-        <a:defRPr b="0" baseline="0" cap="none" i="0" spc="0" strike="noStrike" sz="8000" u="none">
+        <a:defRPr sz="8000" b="0" i="0" u="none" strike="noStrike" cap="none" spc="0" baseline="0">
           <a:ln>
             <a:noFill/>
           </a:ln>
@@ -2337,7 +2426,7 @@
         <a:buFontTx/>
         <a:buNone/>
         <a:tabLst/>
-        <a:defRPr b="0" baseline="0" cap="none" i="0" spc="0" strike="noStrike" sz="8000" u="none">
+        <a:defRPr sz="8000" b="0" i="0" u="none" strike="noStrike" cap="none" spc="0" baseline="0">
           <a:ln>
             <a:noFill/>
           </a:ln>
@@ -2366,7 +2455,7 @@
         <a:buFontTx/>
         <a:buNone/>
         <a:tabLst/>
-        <a:defRPr b="0" baseline="0" cap="none" i="0" spc="0" strike="noStrike" sz="8000" u="none">
+        <a:defRPr sz="8000" b="0" i="0" u="none" strike="noStrike" cap="none" spc="0" baseline="0">
           <a:ln>
             <a:noFill/>
           </a:ln>
@@ -2395,7 +2484,7 @@
         <a:buFontTx/>
         <a:buNone/>
         <a:tabLst/>
-        <a:defRPr b="0" baseline="0" cap="none" i="0" spc="0" strike="noStrike" sz="8000" u="none">
+        <a:defRPr sz="8000" b="0" i="0" u="none" strike="noStrike" cap="none" spc="0" baseline="0">
           <a:ln>
             <a:noFill/>
           </a:ln>
@@ -2424,7 +2513,7 @@
         <a:buFontTx/>
         <a:buNone/>
         <a:tabLst/>
-        <a:defRPr b="0" baseline="0" cap="none" i="0" spc="0" strike="noStrike" sz="8000" u="none">
+        <a:defRPr sz="8000" b="0" i="0" u="none" strike="noStrike" cap="none" spc="0" baseline="0">
           <a:ln>
             <a:noFill/>
           </a:ln>
@@ -2455,7 +2544,7 @@
         <a:buFontTx/>
         <a:buChar char="•"/>
         <a:tabLst/>
-        <a:defRPr b="0" baseline="0" cap="none" i="0" spc="0" strike="noStrike" sz="3600" u="none">
+        <a:defRPr sz="3600" b="0" i="0" u="none" strike="noStrike" cap="none" spc="0" baseline="0">
           <a:ln>
             <a:noFill/>
           </a:ln>
@@ -2484,7 +2573,7 @@
         <a:buFontTx/>
         <a:buChar char="•"/>
         <a:tabLst/>
-        <a:defRPr b="0" baseline="0" cap="none" i="0" spc="0" strike="noStrike" sz="3600" u="none">
+        <a:defRPr sz="3600" b="0" i="0" u="none" strike="noStrike" cap="none" spc="0" baseline="0">
           <a:ln>
             <a:noFill/>
           </a:ln>
@@ -2513,7 +2602,7 @@
         <a:buFontTx/>
         <a:buChar char="•"/>
         <a:tabLst/>
-        <a:defRPr b="0" baseline="0" cap="none" i="0" spc="0" strike="noStrike" sz="3600" u="none">
+        <a:defRPr sz="3600" b="0" i="0" u="none" strike="noStrike" cap="none" spc="0" baseline="0">
           <a:ln>
             <a:noFill/>
           </a:ln>
@@ -2542,7 +2631,7 @@
         <a:buFontTx/>
         <a:buChar char="•"/>
         <a:tabLst/>
-        <a:defRPr b="0" baseline="0" cap="none" i="0" spc="0" strike="noStrike" sz="3600" u="none">
+        <a:defRPr sz="3600" b="0" i="0" u="none" strike="noStrike" cap="none" spc="0" baseline="0">
           <a:ln>
             <a:noFill/>
           </a:ln>
@@ -2571,7 +2660,7 @@
         <a:buFontTx/>
         <a:buChar char="•"/>
         <a:tabLst/>
-        <a:defRPr b="0" baseline="0" cap="none" i="0" spc="0" strike="noStrike" sz="3600" u="none">
+        <a:defRPr sz="3600" b="0" i="0" u="none" strike="noStrike" cap="none" spc="0" baseline="0">
           <a:ln>
             <a:noFill/>
           </a:ln>
@@ -2600,7 +2689,7 @@
         <a:buFontTx/>
         <a:buChar char="•"/>
         <a:tabLst/>
-        <a:defRPr b="0" baseline="0" cap="none" i="0" spc="0" strike="noStrike" sz="3600" u="none">
+        <a:defRPr sz="3600" b="0" i="0" u="none" strike="noStrike" cap="none" spc="0" baseline="0">
           <a:ln>
             <a:noFill/>
           </a:ln>
@@ -2629,7 +2718,7 @@
         <a:buFontTx/>
         <a:buChar char="•"/>
         <a:tabLst/>
-        <a:defRPr b="0" baseline="0" cap="none" i="0" spc="0" strike="noStrike" sz="3600" u="none">
+        <a:defRPr sz="3600" b="0" i="0" u="none" strike="noStrike" cap="none" spc="0" baseline="0">
           <a:ln>
             <a:noFill/>
           </a:ln>
@@ -2658,7 +2747,7 @@
         <a:buFontTx/>
         <a:buChar char="•"/>
         <a:tabLst/>
-        <a:defRPr b="0" baseline="0" cap="none" i="0" spc="0" strike="noStrike" sz="3600" u="none">
+        <a:defRPr sz="3600" b="0" i="0" u="none" strike="noStrike" cap="none" spc="0" baseline="0">
           <a:ln>
             <a:noFill/>
           </a:ln>
@@ -2687,7 +2776,7 @@
         <a:buFontTx/>
         <a:buChar char="•"/>
         <a:tabLst/>
-        <a:defRPr b="0" baseline="0" cap="none" i="0" spc="0" strike="noStrike" sz="3600" u="none">
+        <a:defRPr sz="3600" b="0" i="0" u="none" strike="noStrike" cap="none" spc="0" baseline="0">
           <a:ln>
             <a:noFill/>
           </a:ln>
@@ -2718,7 +2807,7 @@
         <a:buFontTx/>
         <a:buNone/>
         <a:tabLst/>
-        <a:defRPr b="0" baseline="0" cap="none" i="0" spc="0" strike="noStrike" sz="1800" u="none">
+        <a:defRPr sz="1800" b="0" i="0" u="none" strike="noStrike" cap="none" spc="0" baseline="0">
           <a:ln>
             <a:noFill/>
           </a:ln>
@@ -2747,7 +2836,7 @@
         <a:buFontTx/>
         <a:buNone/>
         <a:tabLst/>
-        <a:defRPr b="0" baseline="0" cap="none" i="0" spc="0" strike="noStrike" sz="1800" u="none">
+        <a:defRPr sz="1800" b="0" i="0" u="none" strike="noStrike" cap="none" spc="0" baseline="0">
           <a:ln>
             <a:noFill/>
           </a:ln>
@@ -2776,7 +2865,7 @@
         <a:buFontTx/>
         <a:buNone/>
         <a:tabLst/>
-        <a:defRPr b="0" baseline="0" cap="none" i="0" spc="0" strike="noStrike" sz="1800" u="none">
+        <a:defRPr sz="1800" b="0" i="0" u="none" strike="noStrike" cap="none" spc="0" baseline="0">
           <a:ln>
             <a:noFill/>
           </a:ln>
@@ -2805,7 +2894,7 @@
         <a:buFontTx/>
         <a:buNone/>
         <a:tabLst/>
-        <a:defRPr b="0" baseline="0" cap="none" i="0" spc="0" strike="noStrike" sz="1800" u="none">
+        <a:defRPr sz="1800" b="0" i="0" u="none" strike="noStrike" cap="none" spc="0" baseline="0">
           <a:ln>
             <a:noFill/>
           </a:ln>
@@ -2834,7 +2923,7 @@
         <a:buFontTx/>
         <a:buNone/>
         <a:tabLst/>
-        <a:defRPr b="0" baseline="0" cap="none" i="0" spc="0" strike="noStrike" sz="1800" u="none">
+        <a:defRPr sz="1800" b="0" i="0" u="none" strike="noStrike" cap="none" spc="0" baseline="0">
           <a:ln>
             <a:noFill/>
           </a:ln>
@@ -2863,7 +2952,7 @@
         <a:buFontTx/>
         <a:buNone/>
         <a:tabLst/>
-        <a:defRPr b="0" baseline="0" cap="none" i="0" spc="0" strike="noStrike" sz="1800" u="none">
+        <a:defRPr sz="1800" b="0" i="0" u="none" strike="noStrike" cap="none" spc="0" baseline="0">
           <a:ln>
             <a:noFill/>
           </a:ln>
@@ -2892,7 +2981,7 @@
         <a:buFontTx/>
         <a:buNone/>
         <a:tabLst/>
-        <a:defRPr b="0" baseline="0" cap="none" i="0" spc="0" strike="noStrike" sz="1800" u="none">
+        <a:defRPr sz="1800" b="0" i="0" u="none" strike="noStrike" cap="none" spc="0" baseline="0">
           <a:ln>
             <a:noFill/>
           </a:ln>
@@ -2921,7 +3010,7 @@
         <a:buFontTx/>
         <a:buNone/>
         <a:tabLst/>
-        <a:defRPr b="0" baseline="0" cap="none" i="0" spc="0" strike="noStrike" sz="1800" u="none">
+        <a:defRPr sz="1800" b="0" i="0" u="none" strike="noStrike" cap="none" spc="0" baseline="0">
           <a:ln>
             <a:noFill/>
           </a:ln>
@@ -2950,7 +3039,7 @@
         <a:buFontTx/>
         <a:buNone/>
         <a:tabLst/>
-        <a:defRPr b="0" baseline="0" cap="none" i="0" spc="0" strike="noStrike" sz="1800" u="none">
+        <a:defRPr sz="1800" b="0" i="0" u="none" strike="noStrike" cap="none" spc="0" baseline="0">
           <a:ln>
             <a:noFill/>
           </a:ln>
@@ -2970,7 +3059,7 @@
 </file>
 
 <file path=ppt/slides/slide1.xml><?xml version="1.0" encoding="utf-8"?>
-<p:sld xmlns:a="http://schemas.openxmlformats.org/drawingml/2006/main" xmlns:r="http://schemas.openxmlformats.org/officeDocument/2006/relationships" xmlns:p="http://schemas.openxmlformats.org/presentationml/2006/main" showMasterSp="1" showMasterPhAnim="1">
+<p:sld xmlns:a="http://schemas.openxmlformats.org/drawingml/2006/main" xmlns:r="http://schemas.openxmlformats.org/officeDocument/2006/relationships" xmlns:p="http://schemas.openxmlformats.org/presentationml/2006/main">
   <p:cSld>
     <p:spTree>
       <p:nvGrpSpPr>
@@ -2989,7 +3078,9 @@
       <p:sp>
         <p:nvSpPr>
           <p:cNvPr id="119" name="Database for Hospital"/>
-          <p:cNvSpPr/>
+          <p:cNvSpPr>
+            <a:spLocks noGrp="1"/>
+          </p:cNvSpPr>
           <p:nvPr>
             <p:ph type="ctrTitle"/>
           </p:nvPr>
@@ -3003,7 +3094,6 @@
           <a:bodyPr/>
           <a:lstStyle/>
           <a:p>
-            <a:pPr/>
             <a:r>
               <a:t>Database for Hospital</a:t>
             </a:r>
@@ -3013,7 +3103,9 @@
       <p:sp>
         <p:nvSpPr>
           <p:cNvPr id="120" name="Tianqi Zheng…"/>
-          <p:cNvSpPr/>
+          <p:cNvSpPr>
+            <a:spLocks noGrp="1"/>
+          </p:cNvSpPr>
           <p:nvPr>
             <p:ph type="subTitle" sz="quarter" idx="1"/>
           </p:nvPr>
@@ -3030,6 +3122,7 @@
             <a:pPr defTabSz="414781">
               <a:defRPr sz="2272"/>
             </a:pPr>
+            <a:endParaRPr/>
           </a:p>
           <a:p>
             <a:pPr defTabSz="414781">
@@ -3054,12 +3147,12 @@
   <p:clrMapOvr>
     <a:masterClrMapping/>
   </p:clrMapOvr>
-  <p:transition xmlns:p14="http://schemas.microsoft.com/office/powerpoint/2010/main" spd="med" advClick="1"/>
+  <p:transition spd="med"/>
 </p:sld>
 </file>
 
 <file path=ppt/slides/slide2.xml><?xml version="1.0" encoding="utf-8"?>
-<p:sld xmlns:a="http://schemas.openxmlformats.org/drawingml/2006/main" xmlns:r="http://schemas.openxmlformats.org/officeDocument/2006/relationships" xmlns:p="http://schemas.openxmlformats.org/presentationml/2006/main" showMasterSp="1" showMasterPhAnim="1">
+<p:sld xmlns:a="http://schemas.openxmlformats.org/drawingml/2006/main" xmlns:r="http://schemas.openxmlformats.org/officeDocument/2006/relationships" xmlns:p="http://schemas.openxmlformats.org/presentationml/2006/main">
   <p:cSld>
     <p:spTree>
       <p:nvGrpSpPr>
@@ -3078,7 +3171,9 @@
       <p:sp>
         <p:nvSpPr>
           <p:cNvPr id="122" name="Normalization Steps"/>
-          <p:cNvSpPr/>
+          <p:cNvSpPr>
+            <a:spLocks noGrp="1"/>
+          </p:cNvSpPr>
           <p:nvPr>
             <p:ph type="title"/>
           </p:nvPr>
@@ -3092,7 +3187,6 @@
           <a:bodyPr/>
           <a:lstStyle/>
           <a:p>
-            <a:pPr/>
             <a:r>
               <a:t>Normalization Steps</a:t>
             </a:r>
@@ -3102,7 +3196,9 @@
       <p:sp>
         <p:nvSpPr>
           <p:cNvPr id="123" name="Define the major entities (tables) in 1NF…"/>
-          <p:cNvSpPr/>
+          <p:cNvSpPr>
+            <a:spLocks noGrp="1"/>
+          </p:cNvSpPr>
           <p:nvPr>
             <p:ph type="body" idx="1"/>
           </p:nvPr>
@@ -3116,27 +3212,40 @@
           <a:bodyPr/>
           <a:lstStyle/>
           <a:p>
-            <a:pPr/>
-            <a:r>
+            <a:r>
+              <a:rPr dirty="0"/>
               <a:t>Define the major entities (tables) in 1NF</a:t>
             </a:r>
           </a:p>
           <a:p>
-            <a:pPr/>
-            <a:r>
+            <a:r>
+              <a:rPr dirty="0"/>
               <a:t>Define the tables represent relationships between entities</a:t>
             </a:r>
           </a:p>
           <a:p>
-            <a:pPr/>
-            <a:r>
-              <a:t>Normalize entities and relation tables into 2NF, get rid of functional dependency</a:t>
-            </a:r>
-          </a:p>
-          <a:p>
-            <a:pPr/>
-            <a:r>
-              <a:t>Normalize tables to satisfy 3NF, change all transaction dependency</a:t>
+            <a:r>
+              <a:rPr dirty="0"/>
+              <a:t>Normalize entities and relation tables </a:t>
+            </a:r>
+            <a:r>
+              <a:rPr/>
+              <a:t>into </a:t>
+            </a:r>
+            <a:r>
+              <a:rPr smtClean="0"/>
+              <a:t>2NF</a:t>
+            </a:r>
+            <a:endParaRPr lang="en-US" smtClean="0"/>
+          </a:p>
+          <a:p>
+            <a:r>
+              <a:rPr smtClean="0"/>
+              <a:t>Normalize </a:t>
+            </a:r>
+            <a:r>
+              <a:rPr dirty="0"/>
+              <a:t>tables to satisfy 3NF, change all transaction dependency</a:t>
             </a:r>
           </a:p>
         </p:txBody>
@@ -3146,12 +3255,12 @@
   <p:clrMapOvr>
     <a:masterClrMapping/>
   </p:clrMapOvr>
-  <p:transition xmlns:p14="http://schemas.microsoft.com/office/powerpoint/2010/main" spd="med" advClick="1"/>
+  <p:transition spd="med"/>
 </p:sld>
 </file>
 
 <file path=ppt/slides/slide3.xml><?xml version="1.0" encoding="utf-8"?>
-<p:sld xmlns:a="http://schemas.openxmlformats.org/drawingml/2006/main" xmlns:r="http://schemas.openxmlformats.org/officeDocument/2006/relationships" xmlns:p="http://schemas.openxmlformats.org/presentationml/2006/main" showMasterSp="1" showMasterPhAnim="1">
+<p:sld xmlns:a="http://schemas.openxmlformats.org/drawingml/2006/main" xmlns:r="http://schemas.openxmlformats.org/officeDocument/2006/relationships" xmlns:p="http://schemas.openxmlformats.org/presentationml/2006/main">
   <p:cSld>
     <p:spTree>
       <p:nvGrpSpPr>
@@ -3170,7 +3279,9 @@
       <p:sp>
         <p:nvSpPr>
           <p:cNvPr id="125" name="Entity Relationship Diagram"/>
-          <p:cNvSpPr/>
+          <p:cNvSpPr>
+            <a:spLocks noGrp="1"/>
+          </p:cNvSpPr>
           <p:nvPr>
             <p:ph type="title"/>
           </p:nvPr>
@@ -3192,7 +3303,6 @@
             </a:lvl1pPr>
           </a:lstStyle>
           <a:p>
-            <a:pPr/>
             <a:r>
               <a:t>Entity Relationship Diagram</a:t>
             </a:r>
@@ -3233,12 +3343,12 @@
   <p:clrMapOvr>
     <a:masterClrMapping/>
   </p:clrMapOvr>
-  <p:transition xmlns:p14="http://schemas.microsoft.com/office/powerpoint/2010/main" spd="med" advClick="1"/>
+  <p:transition spd="med"/>
 </p:sld>
 </file>
 
 <file path=ppt/slides/slide4.xml><?xml version="1.0" encoding="utf-8"?>
-<p:sld xmlns:a="http://schemas.openxmlformats.org/drawingml/2006/main" xmlns:r="http://schemas.openxmlformats.org/officeDocument/2006/relationships" xmlns:p="http://schemas.openxmlformats.org/presentationml/2006/main" showMasterSp="1" showMasterPhAnim="1">
+<p:sld xmlns:a="http://schemas.openxmlformats.org/drawingml/2006/main" xmlns:r="http://schemas.openxmlformats.org/officeDocument/2006/relationships" xmlns:p="http://schemas.openxmlformats.org/presentationml/2006/main">
   <p:cSld>
     <p:spTree>
       <p:nvGrpSpPr>
@@ -3257,7 +3367,9 @@
       <p:sp>
         <p:nvSpPr>
           <p:cNvPr id="128" name="Enhanced Entity Relationship Diagram"/>
-          <p:cNvSpPr/>
+          <p:cNvSpPr>
+            <a:spLocks noGrp="1"/>
+          </p:cNvSpPr>
           <p:nvPr>
             <p:ph type="title"/>
           </p:nvPr>
@@ -3279,7 +3391,6 @@
             </a:lvl1pPr>
           </a:lstStyle>
           <a:p>
-            <a:pPr/>
             <a:r>
               <a:t>Enhanced Entity Relationship Diagram</a:t>
             </a:r>
@@ -3320,12 +3431,12 @@
   <p:clrMapOvr>
     <a:masterClrMapping/>
   </p:clrMapOvr>
-  <p:transition xmlns:p14="http://schemas.microsoft.com/office/powerpoint/2010/main" spd="med" advClick="1"/>
+  <p:transition spd="med"/>
 </p:sld>
 </file>
 
 <file path=ppt/slides/slide5.xml><?xml version="1.0" encoding="utf-8"?>
-<p:sld xmlns:a="http://schemas.openxmlformats.org/drawingml/2006/main" xmlns:r="http://schemas.openxmlformats.org/officeDocument/2006/relationships" xmlns:p="http://schemas.openxmlformats.org/presentationml/2006/main" showMasterSp="1" showMasterPhAnim="1">
+<p:sld xmlns:a="http://schemas.openxmlformats.org/drawingml/2006/main" xmlns:r="http://schemas.openxmlformats.org/officeDocument/2006/relationships" xmlns:p="http://schemas.openxmlformats.org/presentationml/2006/main">
   <p:cSld>
     <p:spTree>
       <p:nvGrpSpPr>
@@ -3344,7 +3455,9 @@
       <p:sp>
         <p:nvSpPr>
           <p:cNvPr id="131" name="Stored Procedures"/>
-          <p:cNvSpPr/>
+          <p:cNvSpPr>
+            <a:spLocks noGrp="1"/>
+          </p:cNvSpPr>
           <p:nvPr>
             <p:ph type="title"/>
           </p:nvPr>
@@ -3358,7 +3471,6 @@
           <a:bodyPr/>
           <a:lstStyle/>
           <a:p>
-            <a:pPr/>
             <a:r>
               <a:t>Stored Procedures</a:t>
             </a:r>
@@ -3368,7 +3480,9 @@
       <p:sp>
         <p:nvSpPr>
           <p:cNvPr id="132" name="GetPharamacyInventorywithLocation: IN varchar…"/>
-          <p:cNvSpPr/>
+          <p:cNvSpPr>
+            <a:spLocks noGrp="1"/>
+          </p:cNvSpPr>
           <p:nvPr>
             <p:ph type="body" idx="1"/>
           </p:nvPr>
@@ -3382,37 +3496,31 @@
           <a:bodyPr/>
           <a:lstStyle/>
           <a:p>
-            <a:pPr/>
             <a:r>
               <a:t>GetPharamacyInventorywithLocation: IN varchar</a:t>
             </a:r>
           </a:p>
           <a:p>
-            <a:pPr/>
             <a:r>
               <a:t>GetPersonDetailswithName: IN varchar, varchar</a:t>
             </a:r>
           </a:p>
           <a:p>
-            <a:pPr/>
             <a:r>
               <a:t>GetPatientHistorywithID: IN int</a:t>
             </a:r>
           </a:p>
           <a:p>
-            <a:pPr/>
             <a:r>
               <a:t>GetOperationDrugswithPatientID: IN int</a:t>
             </a:r>
           </a:p>
           <a:p>
-            <a:pPr/>
             <a:r>
               <a:t>GetNurseDetailswithName: IN varchar, varchar</a:t>
             </a:r>
           </a:p>
           <a:p>
-            <a:pPr/>
             <a:r>
               <a:t>GetDoctorDetailswithName: IN varchar, varchar</a:t>
             </a:r>
@@ -3424,12 +3532,12 @@
   <p:clrMapOvr>
     <a:masterClrMapping/>
   </p:clrMapOvr>
-  <p:transition xmlns:p14="http://schemas.microsoft.com/office/powerpoint/2010/main" spd="med" advClick="1"/>
+  <p:transition spd="med"/>
 </p:sld>
 </file>
 
 <file path=ppt/slides/slide6.xml><?xml version="1.0" encoding="utf-8"?>
-<p:sld xmlns:a="http://schemas.openxmlformats.org/drawingml/2006/main" xmlns:r="http://schemas.openxmlformats.org/officeDocument/2006/relationships" xmlns:p="http://schemas.openxmlformats.org/presentationml/2006/main" showMasterSp="1" showMasterPhAnim="1">
+<p:sld xmlns:a="http://schemas.openxmlformats.org/drawingml/2006/main" xmlns:r="http://schemas.openxmlformats.org/officeDocument/2006/relationships" xmlns:p="http://schemas.openxmlformats.org/presentationml/2006/main">
   <p:cSld>
     <p:spTree>
       <p:nvGrpSpPr>
@@ -3448,7 +3556,9 @@
       <p:sp>
         <p:nvSpPr>
           <p:cNvPr id="134" name="Q &amp; A"/>
-          <p:cNvSpPr/>
+          <p:cNvSpPr>
+            <a:spLocks noGrp="1"/>
+          </p:cNvSpPr>
           <p:nvPr>
             <p:ph type="ctrTitle"/>
           </p:nvPr>
@@ -3462,7 +3572,6 @@
           <a:bodyPr/>
           <a:lstStyle/>
           <a:p>
-            <a:pPr/>
             <a:r>
               <a:t>Q &amp; A</a:t>
             </a:r>
@@ -3472,7 +3581,9 @@
       <p:sp>
         <p:nvSpPr>
           <p:cNvPr id="135" name="Thank You!"/>
-          <p:cNvSpPr/>
+          <p:cNvSpPr>
+            <a:spLocks noGrp="1"/>
+          </p:cNvSpPr>
           <p:nvPr>
             <p:ph type="subTitle" sz="quarter" idx="1"/>
           </p:nvPr>
@@ -3486,7 +3597,6 @@
           <a:bodyPr/>
           <a:lstStyle/>
           <a:p>
-            <a:pPr/>
             <a:r>
               <a:t>Thank You!</a:t>
             </a:r>
@@ -3498,12 +3608,12 @@
   <p:clrMapOvr>
     <a:masterClrMapping/>
   </p:clrMapOvr>
-  <p:transition xmlns:p14="http://schemas.microsoft.com/office/powerpoint/2010/main" spd="med" advClick="1"/>
+  <p:transition spd="med"/>
 </p:sld>
 </file>
 
 <file path=ppt/theme/theme1.xml><?xml version="1.0" encoding="utf-8"?>
-<a:theme xmlns:a="http://schemas.openxmlformats.org/drawingml/2006/main" xmlns:r="http://schemas.openxmlformats.org/officeDocument/2006/relationships" name="White">
+<a:theme xmlns:a="http://schemas.openxmlformats.org/drawingml/2006/main" name="White">
   <a:themeElements>
     <a:clrScheme name="White">
       <a:dk1>
@@ -3629,7 +3739,7 @@
       <a:effectStyleLst>
         <a:effectStyle>
           <a:effectLst>
-            <a:outerShdw sx="100000" sy="100000" kx="0" ky="0" algn="b" rotWithShape="0" blurRad="38100" dist="25400" dir="5400000">
+            <a:outerShdw blurRad="38100" dist="25400" dir="5400000" rotWithShape="0">
               <a:srgbClr val="000000">
                 <a:alpha val="50000"/>
               </a:srgbClr>
@@ -3638,7 +3748,7 @@
         </a:effectStyle>
         <a:effectStyle>
           <a:effectLst>
-            <a:outerShdw sx="100000" sy="100000" kx="0" ky="0" algn="b" rotWithShape="0" blurRad="50800" dist="12700" dir="0">
+            <a:outerShdw blurRad="50800" dist="12700" rotWithShape="0">
               <a:srgbClr val="000000">
                 <a:alpha val="50000"/>
               </a:srgbClr>
@@ -3647,7 +3757,7 @@
         </a:effectStyle>
         <a:effectStyle>
           <a:effectLst>
-            <a:outerShdw sx="100000" sy="100000" kx="0" ky="0" algn="b" rotWithShape="0" blurRad="38100" dist="25400" dir="5400000">
+            <a:outerShdw blurRad="38100" dist="25400" dir="5400000" rotWithShape="0">
               <a:srgbClr val="000000">
                 <a:alpha val="50000"/>
               </a:srgbClr>
@@ -3711,8 +3821,8 @@
     <a:spDef>
       <a:spPr>
         <a:blipFill rotWithShape="1">
-          <a:blip r:embed="rId1"/>
-          <a:srcRect l="0" t="0" r="0" b="0"/>
+          <a:blip xmlns:r="http://schemas.openxmlformats.org/officeDocument/2006/relationships" r:embed="rId1"/>
+          <a:srcRect/>
           <a:tile tx="0" ty="0" sx="100000" sy="100000" flip="none" algn="tl"/>
         </a:blipFill>
         <a:ln w="12700" cap="flat">
@@ -3720,7 +3830,7 @@
           <a:miter lim="400000"/>
         </a:ln>
         <a:effectLst>
-          <a:outerShdw sx="100000" sy="100000" kx="0" ky="0" algn="b" rotWithShape="0" blurRad="38100" dist="25400" dir="5400000">
+          <a:outerShdw blurRad="38100" dist="25400" dir="5400000" rotWithShape="0">
             <a:srgbClr val="000000">
               <a:alpha val="50000"/>
             </a:srgbClr>
@@ -3728,7 +3838,7 @@
         </a:effectLst>
         <a:sp3d/>
       </a:spPr>
-      <a:bodyPr rot="0" spcFirstLastPara="1" vertOverflow="overflow" horzOverflow="overflow" vert="horz" wrap="square" lIns="50800" tIns="50800" rIns="50800" bIns="50800" numCol="1" spcCol="38100" rtlCol="0" anchor="ctr" upright="0">
+      <a:bodyPr rot="0" spcFirstLastPara="1" vertOverflow="overflow" horzOverflow="overflow" vert="horz" wrap="square" lIns="50800" tIns="50800" rIns="50800" bIns="50800" numCol="1" spcCol="38100" rtlCol="0" anchor="ctr">
         <a:spAutoFit/>
       </a:bodyPr>
       <a:lstStyle>
@@ -3747,7 +3857,7 @@
           <a:buFontTx/>
           <a:buNone/>
           <a:tabLst/>
-          <a:defRPr b="0" baseline="0" cap="none" i="0" spc="0" strike="noStrike" sz="2400" u="none" kumimoji="0" normalizeH="0">
+          <a:defRPr kumimoji="0" sz="2400" b="0" i="0" u="none" strike="noStrike" cap="none" spc="0" normalizeH="0" baseline="0">
             <a:ln>
               <a:noFill/>
             </a:ln>
@@ -3777,7 +3887,7 @@
           <a:buFontTx/>
           <a:buNone/>
           <a:tabLst/>
-          <a:defRPr b="0" baseline="0" cap="none" i="0" spc="0" strike="noStrike" sz="1800" u="none" kumimoji="0" normalizeH="0">
+          <a:defRPr kumimoji="0" sz="1800" b="0" i="0" u="none" strike="noStrike" cap="none" spc="0" normalizeH="0" baseline="0">
             <a:ln>
               <a:noFill/>
             </a:ln>
@@ -3803,7 +3913,7 @@
           <a:buFontTx/>
           <a:buNone/>
           <a:tabLst/>
-          <a:defRPr b="0" baseline="0" cap="none" i="0" spc="0" strike="noStrike" sz="1800" u="none" kumimoji="0" normalizeH="0">
+          <a:defRPr kumimoji="0" sz="1800" b="0" i="0" u="none" strike="noStrike" cap="none" spc="0" normalizeH="0" baseline="0">
             <a:ln>
               <a:noFill/>
             </a:ln>
@@ -3829,7 +3939,7 @@
           <a:buFontTx/>
           <a:buNone/>
           <a:tabLst/>
-          <a:defRPr b="0" baseline="0" cap="none" i="0" spc="0" strike="noStrike" sz="1800" u="none" kumimoji="0" normalizeH="0">
+          <a:defRPr kumimoji="0" sz="1800" b="0" i="0" u="none" strike="noStrike" cap="none" spc="0" normalizeH="0" baseline="0">
             <a:ln>
               <a:noFill/>
             </a:ln>
@@ -3855,7 +3965,7 @@
           <a:buFontTx/>
           <a:buNone/>
           <a:tabLst/>
-          <a:defRPr b="0" baseline="0" cap="none" i="0" spc="0" strike="noStrike" sz="1800" u="none" kumimoji="0" normalizeH="0">
+          <a:defRPr kumimoji="0" sz="1800" b="0" i="0" u="none" strike="noStrike" cap="none" spc="0" normalizeH="0" baseline="0">
             <a:ln>
               <a:noFill/>
             </a:ln>
@@ -3881,7 +3991,7 @@
           <a:buFontTx/>
           <a:buNone/>
           <a:tabLst/>
-          <a:defRPr b="0" baseline="0" cap="none" i="0" spc="0" strike="noStrike" sz="1800" u="none" kumimoji="0" normalizeH="0">
+          <a:defRPr kumimoji="0" sz="1800" b="0" i="0" u="none" strike="noStrike" cap="none" spc="0" normalizeH="0" baseline="0">
             <a:ln>
               <a:noFill/>
             </a:ln>
@@ -3907,7 +4017,7 @@
           <a:buFontTx/>
           <a:buNone/>
           <a:tabLst/>
-          <a:defRPr b="0" baseline="0" cap="none" i="0" spc="0" strike="noStrike" sz="1800" u="none" kumimoji="0" normalizeH="0">
+          <a:defRPr kumimoji="0" sz="1800" b="0" i="0" u="none" strike="noStrike" cap="none" spc="0" normalizeH="0" baseline="0">
             <a:ln>
               <a:noFill/>
             </a:ln>
@@ -3933,7 +4043,7 @@
           <a:buFontTx/>
           <a:buNone/>
           <a:tabLst/>
-          <a:defRPr b="0" baseline="0" cap="none" i="0" spc="0" strike="noStrike" sz="1800" u="none" kumimoji="0" normalizeH="0">
+          <a:defRPr kumimoji="0" sz="1800" b="0" i="0" u="none" strike="noStrike" cap="none" spc="0" normalizeH="0" baseline="0">
             <a:ln>
               <a:noFill/>
             </a:ln>
@@ -3959,7 +4069,7 @@
           <a:buFontTx/>
           <a:buNone/>
           <a:tabLst/>
-          <a:defRPr b="0" baseline="0" cap="none" i="0" spc="0" strike="noStrike" sz="1800" u="none" kumimoji="0" normalizeH="0">
+          <a:defRPr kumimoji="0" sz="1800" b="0" i="0" u="none" strike="noStrike" cap="none" spc="0" normalizeH="0" baseline="0">
             <a:ln>
               <a:noFill/>
             </a:ln>
@@ -3985,7 +4095,7 @@
           <a:buFontTx/>
           <a:buNone/>
           <a:tabLst/>
-          <a:defRPr b="0" baseline="0" cap="none" i="0" spc="0" strike="noStrike" sz="1800" u="none" kumimoji="0" normalizeH="0">
+          <a:defRPr kumimoji="0" sz="1800" b="0" i="0" u="none" strike="noStrike" cap="none" spc="0" normalizeH="0" baseline="0">
             <a:ln>
               <a:noFill/>
             </a:ln>
@@ -3998,9 +4108,15 @@
         </a:lvl9pPr>
       </a:lstStyle>
       <a:style>
-        <a:lnRef idx="0"/>
-        <a:fillRef idx="0"/>
-        <a:effectRef idx="0"/>
+        <a:lnRef idx="0">
+          <a:scrgbClr r="0" g="0" b="0"/>
+        </a:lnRef>
+        <a:fillRef idx="0">
+          <a:scrgbClr r="0" g="0" b="0"/>
+        </a:fillRef>
+        <a:effectRef idx="0">
+          <a:scrgbClr r="0" g="0" b="0"/>
+        </a:effectRef>
         <a:fontRef idx="none"/>
       </a:style>
     </a:spDef>
@@ -4017,7 +4133,7 @@
         <a:effectLst/>
         <a:sp3d/>
       </a:spPr>
-      <a:bodyPr rot="0" spcFirstLastPara="1" vertOverflow="overflow" horzOverflow="overflow" vert="horz" wrap="square" lIns="91439" tIns="45719" rIns="91439" bIns="45719" numCol="1" spcCol="38100" rtlCol="0" anchor="t" upright="0">
+      <a:bodyPr rot="0" spcFirstLastPara="1" vertOverflow="overflow" horzOverflow="overflow" vert="horz" wrap="square" lIns="91439" tIns="45719" rIns="91439" bIns="45719" numCol="1" spcCol="38100" rtlCol="0" anchor="t">
         <a:noAutofit/>
       </a:bodyPr>
       <a:lstStyle>
@@ -4036,7 +4152,7 @@
           <a:buFontTx/>
           <a:buNone/>
           <a:tabLst/>
-          <a:defRPr b="0" baseline="0" cap="none" i="0" spc="0" strike="noStrike" sz="1800" u="none" kumimoji="0" normalizeH="0">
+          <a:defRPr kumimoji="0" sz="1800" b="0" i="0" u="none" strike="noStrike" cap="none" spc="0" normalizeH="0" baseline="0">
             <a:ln>
               <a:noFill/>
             </a:ln>
@@ -4062,7 +4178,7 @@
           <a:buFontTx/>
           <a:buNone/>
           <a:tabLst/>
-          <a:defRPr b="0" baseline="0" cap="none" i="0" spc="0" strike="noStrike" sz="1800" u="none" kumimoji="0" normalizeH="0">
+          <a:defRPr kumimoji="0" sz="1800" b="0" i="0" u="none" strike="noStrike" cap="none" spc="0" normalizeH="0" baseline="0">
             <a:ln>
               <a:noFill/>
             </a:ln>
@@ -4088,7 +4204,7 @@
           <a:buFontTx/>
           <a:buNone/>
           <a:tabLst/>
-          <a:defRPr b="0" baseline="0" cap="none" i="0" spc="0" strike="noStrike" sz="1800" u="none" kumimoji="0" normalizeH="0">
+          <a:defRPr kumimoji="0" sz="1800" b="0" i="0" u="none" strike="noStrike" cap="none" spc="0" normalizeH="0" baseline="0">
             <a:ln>
               <a:noFill/>
             </a:ln>
@@ -4114,7 +4230,7 @@
           <a:buFontTx/>
           <a:buNone/>
           <a:tabLst/>
-          <a:defRPr b="0" baseline="0" cap="none" i="0" spc="0" strike="noStrike" sz="1800" u="none" kumimoji="0" normalizeH="0">
+          <a:defRPr kumimoji="0" sz="1800" b="0" i="0" u="none" strike="noStrike" cap="none" spc="0" normalizeH="0" baseline="0">
             <a:ln>
               <a:noFill/>
             </a:ln>
@@ -4140,7 +4256,7 @@
           <a:buFontTx/>
           <a:buNone/>
           <a:tabLst/>
-          <a:defRPr b="0" baseline="0" cap="none" i="0" spc="0" strike="noStrike" sz="1800" u="none" kumimoji="0" normalizeH="0">
+          <a:defRPr kumimoji="0" sz="1800" b="0" i="0" u="none" strike="noStrike" cap="none" spc="0" normalizeH="0" baseline="0">
             <a:ln>
               <a:noFill/>
             </a:ln>
@@ -4166,7 +4282,7 @@
           <a:buFontTx/>
           <a:buNone/>
           <a:tabLst/>
-          <a:defRPr b="0" baseline="0" cap="none" i="0" spc="0" strike="noStrike" sz="1800" u="none" kumimoji="0" normalizeH="0">
+          <a:defRPr kumimoji="0" sz="1800" b="0" i="0" u="none" strike="noStrike" cap="none" spc="0" normalizeH="0" baseline="0">
             <a:ln>
               <a:noFill/>
             </a:ln>
@@ -4192,7 +4308,7 @@
           <a:buFontTx/>
           <a:buNone/>
           <a:tabLst/>
-          <a:defRPr b="0" baseline="0" cap="none" i="0" spc="0" strike="noStrike" sz="1800" u="none" kumimoji="0" normalizeH="0">
+          <a:defRPr kumimoji="0" sz="1800" b="0" i="0" u="none" strike="noStrike" cap="none" spc="0" normalizeH="0" baseline="0">
             <a:ln>
               <a:noFill/>
             </a:ln>
@@ -4218,7 +4334,7 @@
           <a:buFontTx/>
           <a:buNone/>
           <a:tabLst/>
-          <a:defRPr b="0" baseline="0" cap="none" i="0" spc="0" strike="noStrike" sz="1800" u="none" kumimoji="0" normalizeH="0">
+          <a:defRPr kumimoji="0" sz="1800" b="0" i="0" u="none" strike="noStrike" cap="none" spc="0" normalizeH="0" baseline="0">
             <a:ln>
               <a:noFill/>
             </a:ln>
@@ -4244,7 +4360,7 @@
           <a:buFontTx/>
           <a:buNone/>
           <a:tabLst/>
-          <a:defRPr b="0" baseline="0" cap="none" i="0" spc="0" strike="noStrike" sz="1800" u="none" kumimoji="0" normalizeH="0">
+          <a:defRPr kumimoji="0" sz="1800" b="0" i="0" u="none" strike="noStrike" cap="none" spc="0" normalizeH="0" baseline="0">
             <a:ln>
               <a:noFill/>
             </a:ln>
@@ -4270,7 +4386,7 @@
           <a:buFontTx/>
           <a:buNone/>
           <a:tabLst/>
-          <a:defRPr b="0" baseline="0" cap="none" i="0" spc="0" strike="noStrike" sz="1800" u="none" kumimoji="0" normalizeH="0">
+          <a:defRPr kumimoji="0" sz="1800" b="0" i="0" u="none" strike="noStrike" cap="none" spc="0" normalizeH="0" baseline="0">
             <a:ln>
               <a:noFill/>
             </a:ln>
@@ -4283,9 +4399,15 @@
         </a:lvl9pPr>
       </a:lstStyle>
       <a:style>
-        <a:lnRef idx="0"/>
-        <a:fillRef idx="0"/>
-        <a:effectRef idx="0"/>
+        <a:lnRef idx="0">
+          <a:scrgbClr r="0" g="0" b="0"/>
+        </a:lnRef>
+        <a:fillRef idx="0">
+          <a:scrgbClr r="0" g="0" b="0"/>
+        </a:fillRef>
+        <a:effectRef idx="0">
+          <a:scrgbClr r="0" g="0" b="0"/>
+        </a:effectRef>
         <a:fontRef idx="none"/>
       </a:style>
     </a:lnDef>
@@ -4299,7 +4421,7 @@
         <a:effectLst/>
         <a:sp3d/>
       </a:spPr>
-      <a:bodyPr rot="0" spcFirstLastPara="1" vertOverflow="overflow" horzOverflow="overflow" vert="horz" wrap="square" lIns="50800" tIns="50800" rIns="50800" bIns="50800" numCol="1" spcCol="38100" rtlCol="0" anchor="ctr" upright="0">
+      <a:bodyPr rot="0" spcFirstLastPara="1" vertOverflow="overflow" horzOverflow="overflow" vert="horz" wrap="square" lIns="50800" tIns="50800" rIns="50800" bIns="50800" numCol="1" spcCol="38100" rtlCol="0" anchor="ctr">
         <a:spAutoFit/>
       </a:bodyPr>
       <a:lstStyle>
@@ -4318,7 +4440,7 @@
           <a:buFontTx/>
           <a:buNone/>
           <a:tabLst/>
-          <a:defRPr b="0" baseline="0" cap="none" i="0" spc="0" strike="noStrike" sz="3600" u="none" kumimoji="0" normalizeH="0">
+          <a:defRPr kumimoji="0" sz="3600" b="0" i="0" u="none" strike="noStrike" cap="none" spc="0" normalizeH="0" baseline="0">
             <a:ln>
               <a:noFill/>
             </a:ln>
@@ -4348,7 +4470,7 @@
           <a:buFontTx/>
           <a:buNone/>
           <a:tabLst/>
-          <a:defRPr b="0" baseline="0" cap="none" i="0" spc="0" strike="noStrike" sz="1800" u="none" kumimoji="0" normalizeH="0">
+          <a:defRPr kumimoji="0" sz="1800" b="0" i="0" u="none" strike="noStrike" cap="none" spc="0" normalizeH="0" baseline="0">
             <a:ln>
               <a:noFill/>
             </a:ln>
@@ -4374,7 +4496,7 @@
           <a:buFontTx/>
           <a:buNone/>
           <a:tabLst/>
-          <a:defRPr b="0" baseline="0" cap="none" i="0" spc="0" strike="noStrike" sz="1800" u="none" kumimoji="0" normalizeH="0">
+          <a:defRPr kumimoji="0" sz="1800" b="0" i="0" u="none" strike="noStrike" cap="none" spc="0" normalizeH="0" baseline="0">
             <a:ln>
               <a:noFill/>
             </a:ln>
@@ -4400,7 +4522,7 @@
           <a:buFontTx/>
           <a:buNone/>
           <a:tabLst/>
-          <a:defRPr b="0" baseline="0" cap="none" i="0" spc="0" strike="noStrike" sz="1800" u="none" kumimoji="0" normalizeH="0">
+          <a:defRPr kumimoji="0" sz="1800" b="0" i="0" u="none" strike="noStrike" cap="none" spc="0" normalizeH="0" baseline="0">
             <a:ln>
               <a:noFill/>
             </a:ln>
@@ -4426,7 +4548,7 @@
           <a:buFontTx/>
           <a:buNone/>
           <a:tabLst/>
-          <a:defRPr b="0" baseline="0" cap="none" i="0" spc="0" strike="noStrike" sz="1800" u="none" kumimoji="0" normalizeH="0">
+          <a:defRPr kumimoji="0" sz="1800" b="0" i="0" u="none" strike="noStrike" cap="none" spc="0" normalizeH="0" baseline="0">
             <a:ln>
               <a:noFill/>
             </a:ln>
@@ -4452,7 +4574,7 @@
           <a:buFontTx/>
           <a:buNone/>
           <a:tabLst/>
-          <a:defRPr b="0" baseline="0" cap="none" i="0" spc="0" strike="noStrike" sz="1800" u="none" kumimoji="0" normalizeH="0">
+          <a:defRPr kumimoji="0" sz="1800" b="0" i="0" u="none" strike="noStrike" cap="none" spc="0" normalizeH="0" baseline="0">
             <a:ln>
               <a:noFill/>
             </a:ln>
@@ -4478,7 +4600,7 @@
           <a:buFontTx/>
           <a:buNone/>
           <a:tabLst/>
-          <a:defRPr b="0" baseline="0" cap="none" i="0" spc="0" strike="noStrike" sz="1800" u="none" kumimoji="0" normalizeH="0">
+          <a:defRPr kumimoji="0" sz="1800" b="0" i="0" u="none" strike="noStrike" cap="none" spc="0" normalizeH="0" baseline="0">
             <a:ln>
               <a:noFill/>
             </a:ln>
@@ -4504,7 +4626,7 @@
           <a:buFontTx/>
           <a:buNone/>
           <a:tabLst/>
-          <a:defRPr b="0" baseline="0" cap="none" i="0" spc="0" strike="noStrike" sz="1800" u="none" kumimoji="0" normalizeH="0">
+          <a:defRPr kumimoji="0" sz="1800" b="0" i="0" u="none" strike="noStrike" cap="none" spc="0" normalizeH="0" baseline="0">
             <a:ln>
               <a:noFill/>
             </a:ln>
@@ -4530,7 +4652,7 @@
           <a:buFontTx/>
           <a:buNone/>
           <a:tabLst/>
-          <a:defRPr b="0" baseline="0" cap="none" i="0" spc="0" strike="noStrike" sz="1800" u="none" kumimoji="0" normalizeH="0">
+          <a:defRPr kumimoji="0" sz="1800" b="0" i="0" u="none" strike="noStrike" cap="none" spc="0" normalizeH="0" baseline="0">
             <a:ln>
               <a:noFill/>
             </a:ln>
@@ -4556,7 +4678,7 @@
           <a:buFontTx/>
           <a:buNone/>
           <a:tabLst/>
-          <a:defRPr b="0" baseline="0" cap="none" i="0" spc="0" strike="noStrike" sz="1800" u="none" kumimoji="0" normalizeH="0">
+          <a:defRPr kumimoji="0" sz="1800" b="0" i="0" u="none" strike="noStrike" cap="none" spc="0" normalizeH="0" baseline="0">
             <a:ln>
               <a:noFill/>
             </a:ln>
@@ -4569,18 +4691,25 @@
         </a:lvl9pPr>
       </a:lstStyle>
       <a:style>
-        <a:lnRef idx="0"/>
-        <a:fillRef idx="0"/>
-        <a:effectRef idx="0"/>
+        <a:lnRef idx="0">
+          <a:scrgbClr r="0" g="0" b="0"/>
+        </a:lnRef>
+        <a:fillRef idx="0">
+          <a:scrgbClr r="0" g="0" b="0"/>
+        </a:fillRef>
+        <a:effectRef idx="0">
+          <a:scrgbClr r="0" g="0" b="0"/>
+        </a:effectRef>
         <a:fontRef idx="none"/>
       </a:style>
     </a:txDef>
   </a:objectDefaults>
+  <a:extraClrSchemeLst/>
 </a:theme>
 </file>
 
 <file path=ppt/theme/theme2.xml><?xml version="1.0" encoding="utf-8"?>
-<a:theme xmlns:a="http://schemas.openxmlformats.org/drawingml/2006/main" xmlns:r="http://schemas.openxmlformats.org/officeDocument/2006/relationships" name="White">
+<a:theme xmlns:a="http://schemas.openxmlformats.org/drawingml/2006/main" name="White">
   <a:themeElements>
     <a:clrScheme name="White">
       <a:dk1>
@@ -4706,7 +4835,7 @@
       <a:effectStyleLst>
         <a:effectStyle>
           <a:effectLst>
-            <a:outerShdw sx="100000" sy="100000" kx="0" ky="0" algn="b" rotWithShape="0" blurRad="38100" dist="25400" dir="5400000">
+            <a:outerShdw blurRad="38100" dist="25400" dir="5400000" rotWithShape="0">
               <a:srgbClr val="000000">
                 <a:alpha val="50000"/>
               </a:srgbClr>
@@ -4715,7 +4844,7 @@
         </a:effectStyle>
         <a:effectStyle>
           <a:effectLst>
-            <a:outerShdw sx="100000" sy="100000" kx="0" ky="0" algn="b" rotWithShape="0" blurRad="50800" dist="12700" dir="0">
+            <a:outerShdw blurRad="50800" dist="12700" rotWithShape="0">
               <a:srgbClr val="000000">
                 <a:alpha val="50000"/>
               </a:srgbClr>
@@ -4724,7 +4853,7 @@
         </a:effectStyle>
         <a:effectStyle>
           <a:effectLst>
-            <a:outerShdw sx="100000" sy="100000" kx="0" ky="0" algn="b" rotWithShape="0" blurRad="38100" dist="25400" dir="5400000">
+            <a:outerShdw blurRad="38100" dist="25400" dir="5400000" rotWithShape="0">
               <a:srgbClr val="000000">
                 <a:alpha val="50000"/>
               </a:srgbClr>
@@ -4788,8 +4917,8 @@
     <a:spDef>
       <a:spPr>
         <a:blipFill rotWithShape="1">
-          <a:blip r:embed="rId1"/>
-          <a:srcRect l="0" t="0" r="0" b="0"/>
+          <a:blip xmlns:r="http://schemas.openxmlformats.org/officeDocument/2006/relationships" r:embed="rId1"/>
+          <a:srcRect/>
           <a:tile tx="0" ty="0" sx="100000" sy="100000" flip="none" algn="tl"/>
         </a:blipFill>
         <a:ln w="12700" cap="flat">
@@ -4797,7 +4926,7 @@
           <a:miter lim="400000"/>
         </a:ln>
         <a:effectLst>
-          <a:outerShdw sx="100000" sy="100000" kx="0" ky="0" algn="b" rotWithShape="0" blurRad="38100" dist="25400" dir="5400000">
+          <a:outerShdw blurRad="38100" dist="25400" dir="5400000" rotWithShape="0">
             <a:srgbClr val="000000">
               <a:alpha val="50000"/>
             </a:srgbClr>
@@ -4805,7 +4934,7 @@
         </a:effectLst>
         <a:sp3d/>
       </a:spPr>
-      <a:bodyPr rot="0" spcFirstLastPara="1" vertOverflow="overflow" horzOverflow="overflow" vert="horz" wrap="square" lIns="50800" tIns="50800" rIns="50800" bIns="50800" numCol="1" spcCol="38100" rtlCol="0" anchor="ctr" upright="0">
+      <a:bodyPr rot="0" spcFirstLastPara="1" vertOverflow="overflow" horzOverflow="overflow" vert="horz" wrap="square" lIns="50800" tIns="50800" rIns="50800" bIns="50800" numCol="1" spcCol="38100" rtlCol="0" anchor="ctr">
         <a:spAutoFit/>
       </a:bodyPr>
       <a:lstStyle>
@@ -4824,7 +4953,7 @@
           <a:buFontTx/>
           <a:buNone/>
           <a:tabLst/>
-          <a:defRPr b="0" baseline="0" cap="none" i="0" spc="0" strike="noStrike" sz="2400" u="none" kumimoji="0" normalizeH="0">
+          <a:defRPr kumimoji="0" sz="2400" b="0" i="0" u="none" strike="noStrike" cap="none" spc="0" normalizeH="0" baseline="0">
             <a:ln>
               <a:noFill/>
             </a:ln>
@@ -4854,7 +4983,7 @@
           <a:buFontTx/>
           <a:buNone/>
           <a:tabLst/>
-          <a:defRPr b="0" baseline="0" cap="none" i="0" spc="0" strike="noStrike" sz="1800" u="none" kumimoji="0" normalizeH="0">
+          <a:defRPr kumimoji="0" sz="1800" b="0" i="0" u="none" strike="noStrike" cap="none" spc="0" normalizeH="0" baseline="0">
             <a:ln>
               <a:noFill/>
             </a:ln>
@@ -4880,7 +5009,7 @@
           <a:buFontTx/>
           <a:buNone/>
           <a:tabLst/>
-          <a:defRPr b="0" baseline="0" cap="none" i="0" spc="0" strike="noStrike" sz="1800" u="none" kumimoji="0" normalizeH="0">
+          <a:defRPr kumimoji="0" sz="1800" b="0" i="0" u="none" strike="noStrike" cap="none" spc="0" normalizeH="0" baseline="0">
             <a:ln>
               <a:noFill/>
             </a:ln>
@@ -4906,7 +5035,7 @@
           <a:buFontTx/>
           <a:buNone/>
           <a:tabLst/>
-          <a:defRPr b="0" baseline="0" cap="none" i="0" spc="0" strike="noStrike" sz="1800" u="none" kumimoji="0" normalizeH="0">
+          <a:defRPr kumimoji="0" sz="1800" b="0" i="0" u="none" strike="noStrike" cap="none" spc="0" normalizeH="0" baseline="0">
             <a:ln>
               <a:noFill/>
             </a:ln>
@@ -4932,7 +5061,7 @@
           <a:buFontTx/>
           <a:buNone/>
           <a:tabLst/>
-          <a:defRPr b="0" baseline="0" cap="none" i="0" spc="0" strike="noStrike" sz="1800" u="none" kumimoji="0" normalizeH="0">
+          <a:defRPr kumimoji="0" sz="1800" b="0" i="0" u="none" strike="noStrike" cap="none" spc="0" normalizeH="0" baseline="0">
             <a:ln>
               <a:noFill/>
             </a:ln>
@@ -4958,7 +5087,7 @@
           <a:buFontTx/>
           <a:buNone/>
           <a:tabLst/>
-          <a:defRPr b="0" baseline="0" cap="none" i="0" spc="0" strike="noStrike" sz="1800" u="none" kumimoji="0" normalizeH="0">
+          <a:defRPr kumimoji="0" sz="1800" b="0" i="0" u="none" strike="noStrike" cap="none" spc="0" normalizeH="0" baseline="0">
             <a:ln>
               <a:noFill/>
             </a:ln>
@@ -4984,7 +5113,7 @@
           <a:buFontTx/>
           <a:buNone/>
           <a:tabLst/>
-          <a:defRPr b="0" baseline="0" cap="none" i="0" spc="0" strike="noStrike" sz="1800" u="none" kumimoji="0" normalizeH="0">
+          <a:defRPr kumimoji="0" sz="1800" b="0" i="0" u="none" strike="noStrike" cap="none" spc="0" normalizeH="0" baseline="0">
             <a:ln>
               <a:noFill/>
             </a:ln>
@@ -5010,7 +5139,7 @@
           <a:buFontTx/>
           <a:buNone/>
           <a:tabLst/>
-          <a:defRPr b="0" baseline="0" cap="none" i="0" spc="0" strike="noStrike" sz="1800" u="none" kumimoji="0" normalizeH="0">
+          <a:defRPr kumimoji="0" sz="1800" b="0" i="0" u="none" strike="noStrike" cap="none" spc="0" normalizeH="0" baseline="0">
             <a:ln>
               <a:noFill/>
             </a:ln>
@@ -5036,7 +5165,7 @@
           <a:buFontTx/>
           <a:buNone/>
           <a:tabLst/>
-          <a:defRPr b="0" baseline="0" cap="none" i="0" spc="0" strike="noStrike" sz="1800" u="none" kumimoji="0" normalizeH="0">
+          <a:defRPr kumimoji="0" sz="1800" b="0" i="0" u="none" strike="noStrike" cap="none" spc="0" normalizeH="0" baseline="0">
             <a:ln>
               <a:noFill/>
             </a:ln>
@@ -5062,7 +5191,7 @@
           <a:buFontTx/>
           <a:buNone/>
           <a:tabLst/>
-          <a:defRPr b="0" baseline="0" cap="none" i="0" spc="0" strike="noStrike" sz="1800" u="none" kumimoji="0" normalizeH="0">
+          <a:defRPr kumimoji="0" sz="1800" b="0" i="0" u="none" strike="noStrike" cap="none" spc="0" normalizeH="0" baseline="0">
             <a:ln>
               <a:noFill/>
             </a:ln>
@@ -5075,9 +5204,15 @@
         </a:lvl9pPr>
       </a:lstStyle>
       <a:style>
-        <a:lnRef idx="0"/>
-        <a:fillRef idx="0"/>
-        <a:effectRef idx="0"/>
+        <a:lnRef idx="0">
+          <a:scrgbClr r="0" g="0" b="0"/>
+        </a:lnRef>
+        <a:fillRef idx="0">
+          <a:scrgbClr r="0" g="0" b="0"/>
+        </a:fillRef>
+        <a:effectRef idx="0">
+          <a:scrgbClr r="0" g="0" b="0"/>
+        </a:effectRef>
         <a:fontRef idx="none"/>
       </a:style>
     </a:spDef>
@@ -5094,7 +5229,7 @@
         <a:effectLst/>
         <a:sp3d/>
       </a:spPr>
-      <a:bodyPr rot="0" spcFirstLastPara="1" vertOverflow="overflow" horzOverflow="overflow" vert="horz" wrap="square" lIns="91439" tIns="45719" rIns="91439" bIns="45719" numCol="1" spcCol="38100" rtlCol="0" anchor="t" upright="0">
+      <a:bodyPr rot="0" spcFirstLastPara="1" vertOverflow="overflow" horzOverflow="overflow" vert="horz" wrap="square" lIns="91439" tIns="45719" rIns="91439" bIns="45719" numCol="1" spcCol="38100" rtlCol="0" anchor="t">
         <a:noAutofit/>
       </a:bodyPr>
       <a:lstStyle>
@@ -5113,7 +5248,7 @@
           <a:buFontTx/>
           <a:buNone/>
           <a:tabLst/>
-          <a:defRPr b="0" baseline="0" cap="none" i="0" spc="0" strike="noStrike" sz="1800" u="none" kumimoji="0" normalizeH="0">
+          <a:defRPr kumimoji="0" sz="1800" b="0" i="0" u="none" strike="noStrike" cap="none" spc="0" normalizeH="0" baseline="0">
             <a:ln>
               <a:noFill/>
             </a:ln>
@@ -5139,7 +5274,7 @@
           <a:buFontTx/>
           <a:buNone/>
           <a:tabLst/>
-          <a:defRPr b="0" baseline="0" cap="none" i="0" spc="0" strike="noStrike" sz="1800" u="none" kumimoji="0" normalizeH="0">
+          <a:defRPr kumimoji="0" sz="1800" b="0" i="0" u="none" strike="noStrike" cap="none" spc="0" normalizeH="0" baseline="0">
             <a:ln>
               <a:noFill/>
             </a:ln>
@@ -5165,7 +5300,7 @@
           <a:buFontTx/>
           <a:buNone/>
           <a:tabLst/>
-          <a:defRPr b="0" baseline="0" cap="none" i="0" spc="0" strike="noStrike" sz="1800" u="none" kumimoji="0" normalizeH="0">
+          <a:defRPr kumimoji="0" sz="1800" b="0" i="0" u="none" strike="noStrike" cap="none" spc="0" normalizeH="0" baseline="0">
             <a:ln>
               <a:noFill/>
             </a:ln>
@@ -5191,7 +5326,7 @@
           <a:buFontTx/>
           <a:buNone/>
           <a:tabLst/>
-          <a:defRPr b="0" baseline="0" cap="none" i="0" spc="0" strike="noStrike" sz="1800" u="none" kumimoji="0" normalizeH="0">
+          <a:defRPr kumimoji="0" sz="1800" b="0" i="0" u="none" strike="noStrike" cap="none" spc="0" normalizeH="0" baseline="0">
             <a:ln>
               <a:noFill/>
             </a:ln>
@@ -5217,7 +5352,7 @@
           <a:buFontTx/>
           <a:buNone/>
           <a:tabLst/>
-          <a:defRPr b="0" baseline="0" cap="none" i="0" spc="0" strike="noStrike" sz="1800" u="none" kumimoji="0" normalizeH="0">
+          <a:defRPr kumimoji="0" sz="1800" b="0" i="0" u="none" strike="noStrike" cap="none" spc="0" normalizeH="0" baseline="0">
             <a:ln>
               <a:noFill/>
             </a:ln>
@@ -5243,7 +5378,7 @@
           <a:buFontTx/>
           <a:buNone/>
           <a:tabLst/>
-          <a:defRPr b="0" baseline="0" cap="none" i="0" spc="0" strike="noStrike" sz="1800" u="none" kumimoji="0" normalizeH="0">
+          <a:defRPr kumimoji="0" sz="1800" b="0" i="0" u="none" strike="noStrike" cap="none" spc="0" normalizeH="0" baseline="0">
             <a:ln>
               <a:noFill/>
             </a:ln>
@@ -5269,7 +5404,7 @@
           <a:buFontTx/>
           <a:buNone/>
           <a:tabLst/>
-          <a:defRPr b="0" baseline="0" cap="none" i="0" spc="0" strike="noStrike" sz="1800" u="none" kumimoji="0" normalizeH="0">
+          <a:defRPr kumimoji="0" sz="1800" b="0" i="0" u="none" strike="noStrike" cap="none" spc="0" normalizeH="0" baseline="0">
             <a:ln>
               <a:noFill/>
             </a:ln>
@@ -5295,7 +5430,7 @@
           <a:buFontTx/>
           <a:buNone/>
           <a:tabLst/>
-          <a:defRPr b="0" baseline="0" cap="none" i="0" spc="0" strike="noStrike" sz="1800" u="none" kumimoji="0" normalizeH="0">
+          <a:defRPr kumimoji="0" sz="1800" b="0" i="0" u="none" strike="noStrike" cap="none" spc="0" normalizeH="0" baseline="0">
             <a:ln>
               <a:noFill/>
             </a:ln>
@@ -5321,7 +5456,7 @@
           <a:buFontTx/>
           <a:buNone/>
           <a:tabLst/>
-          <a:defRPr b="0" baseline="0" cap="none" i="0" spc="0" strike="noStrike" sz="1800" u="none" kumimoji="0" normalizeH="0">
+          <a:defRPr kumimoji="0" sz="1800" b="0" i="0" u="none" strike="noStrike" cap="none" spc="0" normalizeH="0" baseline="0">
             <a:ln>
               <a:noFill/>
             </a:ln>
@@ -5347,7 +5482,7 @@
           <a:buFontTx/>
           <a:buNone/>
           <a:tabLst/>
-          <a:defRPr b="0" baseline="0" cap="none" i="0" spc="0" strike="noStrike" sz="1800" u="none" kumimoji="0" normalizeH="0">
+          <a:defRPr kumimoji="0" sz="1800" b="0" i="0" u="none" strike="noStrike" cap="none" spc="0" normalizeH="0" baseline="0">
             <a:ln>
               <a:noFill/>
             </a:ln>
@@ -5360,9 +5495,15 @@
         </a:lvl9pPr>
       </a:lstStyle>
       <a:style>
-        <a:lnRef idx="0"/>
-        <a:fillRef idx="0"/>
-        <a:effectRef idx="0"/>
+        <a:lnRef idx="0">
+          <a:scrgbClr r="0" g="0" b="0"/>
+        </a:lnRef>
+        <a:fillRef idx="0">
+          <a:scrgbClr r="0" g="0" b="0"/>
+        </a:fillRef>
+        <a:effectRef idx="0">
+          <a:scrgbClr r="0" g="0" b="0"/>
+        </a:effectRef>
         <a:fontRef idx="none"/>
       </a:style>
     </a:lnDef>
@@ -5376,7 +5517,7 @@
         <a:effectLst/>
         <a:sp3d/>
       </a:spPr>
-      <a:bodyPr rot="0" spcFirstLastPara="1" vertOverflow="overflow" horzOverflow="overflow" vert="horz" wrap="square" lIns="50800" tIns="50800" rIns="50800" bIns="50800" numCol="1" spcCol="38100" rtlCol="0" anchor="ctr" upright="0">
+      <a:bodyPr rot="0" spcFirstLastPara="1" vertOverflow="overflow" horzOverflow="overflow" vert="horz" wrap="square" lIns="50800" tIns="50800" rIns="50800" bIns="50800" numCol="1" spcCol="38100" rtlCol="0" anchor="ctr">
         <a:spAutoFit/>
       </a:bodyPr>
       <a:lstStyle>
@@ -5395,7 +5536,7 @@
           <a:buFontTx/>
           <a:buNone/>
           <a:tabLst/>
-          <a:defRPr b="0" baseline="0" cap="none" i="0" spc="0" strike="noStrike" sz="3600" u="none" kumimoji="0" normalizeH="0">
+          <a:defRPr kumimoji="0" sz="3600" b="0" i="0" u="none" strike="noStrike" cap="none" spc="0" normalizeH="0" baseline="0">
             <a:ln>
               <a:noFill/>
             </a:ln>
@@ -5425,7 +5566,7 @@
           <a:buFontTx/>
           <a:buNone/>
           <a:tabLst/>
-          <a:defRPr b="0" baseline="0" cap="none" i="0" spc="0" strike="noStrike" sz="1800" u="none" kumimoji="0" normalizeH="0">
+          <a:defRPr kumimoji="0" sz="1800" b="0" i="0" u="none" strike="noStrike" cap="none" spc="0" normalizeH="0" baseline="0">
             <a:ln>
               <a:noFill/>
             </a:ln>
@@ -5451,7 +5592,7 @@
           <a:buFontTx/>
           <a:buNone/>
           <a:tabLst/>
-          <a:defRPr b="0" baseline="0" cap="none" i="0" spc="0" strike="noStrike" sz="1800" u="none" kumimoji="0" normalizeH="0">
+          <a:defRPr kumimoji="0" sz="1800" b="0" i="0" u="none" strike="noStrike" cap="none" spc="0" normalizeH="0" baseline="0">
             <a:ln>
               <a:noFill/>
             </a:ln>
@@ -5477,7 +5618,7 @@
           <a:buFontTx/>
           <a:buNone/>
           <a:tabLst/>
-          <a:defRPr b="0" baseline="0" cap="none" i="0" spc="0" strike="noStrike" sz="1800" u="none" kumimoji="0" normalizeH="0">
+          <a:defRPr kumimoji="0" sz="1800" b="0" i="0" u="none" strike="noStrike" cap="none" spc="0" normalizeH="0" baseline="0">
             <a:ln>
               <a:noFill/>
             </a:ln>
@@ -5503,7 +5644,7 @@
           <a:buFontTx/>
           <a:buNone/>
           <a:tabLst/>
-          <a:defRPr b="0" baseline="0" cap="none" i="0" spc="0" strike="noStrike" sz="1800" u="none" kumimoji="0" normalizeH="0">
+          <a:defRPr kumimoji="0" sz="1800" b="0" i="0" u="none" strike="noStrike" cap="none" spc="0" normalizeH="0" baseline="0">
             <a:ln>
               <a:noFill/>
             </a:ln>
@@ -5529,7 +5670,7 @@
           <a:buFontTx/>
           <a:buNone/>
           <a:tabLst/>
-          <a:defRPr b="0" baseline="0" cap="none" i="0" spc="0" strike="noStrike" sz="1800" u="none" kumimoji="0" normalizeH="0">
+          <a:defRPr kumimoji="0" sz="1800" b="0" i="0" u="none" strike="noStrike" cap="none" spc="0" normalizeH="0" baseline="0">
             <a:ln>
               <a:noFill/>
             </a:ln>
@@ -5555,7 +5696,7 @@
           <a:buFontTx/>
           <a:buNone/>
           <a:tabLst/>
-          <a:defRPr b="0" baseline="0" cap="none" i="0" spc="0" strike="noStrike" sz="1800" u="none" kumimoji="0" normalizeH="0">
+          <a:defRPr kumimoji="0" sz="1800" b="0" i="0" u="none" strike="noStrike" cap="none" spc="0" normalizeH="0" baseline="0">
             <a:ln>
               <a:noFill/>
             </a:ln>
@@ -5581,7 +5722,7 @@
           <a:buFontTx/>
           <a:buNone/>
           <a:tabLst/>
-          <a:defRPr b="0" baseline="0" cap="none" i="0" spc="0" strike="noStrike" sz="1800" u="none" kumimoji="0" normalizeH="0">
+          <a:defRPr kumimoji="0" sz="1800" b="0" i="0" u="none" strike="noStrike" cap="none" spc="0" normalizeH="0" baseline="0">
             <a:ln>
               <a:noFill/>
             </a:ln>
@@ -5607,7 +5748,7 @@
           <a:buFontTx/>
           <a:buNone/>
           <a:tabLst/>
-          <a:defRPr b="0" baseline="0" cap="none" i="0" spc="0" strike="noStrike" sz="1800" u="none" kumimoji="0" normalizeH="0">
+          <a:defRPr kumimoji="0" sz="1800" b="0" i="0" u="none" strike="noStrike" cap="none" spc="0" normalizeH="0" baseline="0">
             <a:ln>
               <a:noFill/>
             </a:ln>
@@ -5633,7 +5774,7 @@
           <a:buFontTx/>
           <a:buNone/>
           <a:tabLst/>
-          <a:defRPr b="0" baseline="0" cap="none" i="0" spc="0" strike="noStrike" sz="1800" u="none" kumimoji="0" normalizeH="0">
+          <a:defRPr kumimoji="0" sz="1800" b="0" i="0" u="none" strike="noStrike" cap="none" spc="0" normalizeH="0" baseline="0">
             <a:ln>
               <a:noFill/>
             </a:ln>
@@ -5646,12 +5787,19 @@
         </a:lvl9pPr>
       </a:lstStyle>
       <a:style>
-        <a:lnRef idx="0"/>
-        <a:fillRef idx="0"/>
-        <a:effectRef idx="0"/>
+        <a:lnRef idx="0">
+          <a:scrgbClr r="0" g="0" b="0"/>
+        </a:lnRef>
+        <a:fillRef idx="0">
+          <a:scrgbClr r="0" g="0" b="0"/>
+        </a:fillRef>
+        <a:effectRef idx="0">
+          <a:scrgbClr r="0" g="0" b="0"/>
+        </a:effectRef>
         <a:fontRef idx="none"/>
       </a:style>
     </a:txDef>
   </a:objectDefaults>
+  <a:extraClrSchemeLst/>
 </a:theme>
 </file>
--- a/Presentation.pptx
+++ b/Presentation.pptx
@@ -5,15 +5,17 @@
     <p:sldMasterId id="2147483648" r:id="rId1"/>
   </p:sldMasterIdLst>
   <p:notesMasterIdLst>
-    <p:notesMasterId r:id="rId8"/>
+    <p:notesMasterId r:id="rId10"/>
   </p:notesMasterIdLst>
   <p:sldIdLst>
     <p:sldId id="256" r:id="rId2"/>
     <p:sldId id="257" r:id="rId3"/>
     <p:sldId id="258" r:id="rId4"/>
     <p:sldId id="259" r:id="rId5"/>
-    <p:sldId id="260" r:id="rId6"/>
-    <p:sldId id="261" r:id="rId7"/>
+    <p:sldId id="262" r:id="rId6"/>
+    <p:sldId id="263" r:id="rId7"/>
+    <p:sldId id="260" r:id="rId8"/>
+    <p:sldId id="261" r:id="rId9"/>
   </p:sldIdLst>
   <p:sldSz cx="13004800" cy="9753600"/>
   <p:notesSz cx="6858000" cy="9144000"/>
@@ -315,6 +317,11 @@
       </a:defRPr>
     </a:lvl9pPr>
   </p:defaultTextStyle>
+  <p:extLst>
+    <p:ext uri="{EFAFB233-063F-42B5-8137-9DF3F51BA10A}">
+      <p15:sldGuideLst xmlns:p15="http://schemas.microsoft.com/office/powerpoint/2012/main"/>
+    </p:ext>
+  </p:extLst>
 </p:presentation>
 </file>
 
@@ -3116,7 +3123,9 @@
           </a:prstGeom>
         </p:spPr>
         <p:txBody>
-          <a:bodyPr/>
+          <a:bodyPr>
+            <a:normAutofit lnSpcReduction="10000"/>
+          </a:bodyPr>
           <a:lstStyle/>
           <a:p>
             <a:pPr defTabSz="414781">
@@ -3472,8 +3481,10 @@
           <a:lstStyle/>
           <a:p>
             <a:r>
-              <a:t>Stored Procedures</a:t>
-            </a:r>
+              <a:rPr lang="en-US" dirty="0" smtClean="0"/>
+              <a:t>Triggers</a:t>
+            </a:r>
+            <a:endParaRPr dirty="0"/>
           </a:p>
         </p:txBody>
       </p:sp>
@@ -3497,6 +3508,239 @@
           <a:lstStyle/>
           <a:p>
             <a:r>
+              <a:rPr lang="en-US" dirty="0" err="1" smtClean="0"/>
+              <a:t>WorkInDepartment</a:t>
+            </a:r>
+            <a:r>
+              <a:rPr lang="en-US" dirty="0" smtClean="0"/>
+              <a:t>: Before insert/update</a:t>
+            </a:r>
+          </a:p>
+          <a:p>
+            <a:r>
+              <a:rPr lang="en-US" dirty="0" err="1" smtClean="0"/>
+              <a:t>WorkInPharmacy</a:t>
+            </a:r>
+            <a:r>
+              <a:rPr lang="en-US" dirty="0" smtClean="0"/>
+              <a:t>: Before insert/update</a:t>
+            </a:r>
+          </a:p>
+          <a:p>
+            <a:r>
+              <a:rPr lang="en-US" dirty="0" err="1" smtClean="0"/>
+              <a:t>ContactInfo</a:t>
+            </a:r>
+            <a:r>
+              <a:rPr lang="en-US" dirty="0" smtClean="0"/>
+              <a:t>: Before insert/update</a:t>
+            </a:r>
+          </a:p>
+          <a:p>
+            <a:r>
+              <a:rPr lang="en-US" dirty="0" smtClean="0"/>
+              <a:t>Diagnose: Before insert/update</a:t>
+            </a:r>
+          </a:p>
+          <a:p>
+            <a:r>
+              <a:rPr lang="en-US" dirty="0" smtClean="0"/>
+              <a:t>Nursing: Before insert/update</a:t>
+            </a:r>
+          </a:p>
+          <a:p>
+            <a:r>
+              <a:rPr lang="en-US" dirty="0" smtClean="0"/>
+              <a:t>Storage: Before insert/update, After insert/update</a:t>
+            </a:r>
+          </a:p>
+        </p:txBody>
+      </p:sp>
+    </p:spTree>
+    <p:extLst>
+      <p:ext uri="{BB962C8B-B14F-4D97-AF65-F5344CB8AC3E}">
+        <p14:creationId xmlns:p14="http://schemas.microsoft.com/office/powerpoint/2010/main" val="1187156686"/>
+      </p:ext>
+    </p:extLst>
+  </p:cSld>
+  <p:clrMapOvr>
+    <a:masterClrMapping/>
+  </p:clrMapOvr>
+  <p:transition spd="med"/>
+</p:sld>
+</file>
+
+<file path=ppt/slides/slide6.xml><?xml version="1.0" encoding="utf-8"?>
+<p:sld xmlns:a="http://schemas.openxmlformats.org/drawingml/2006/main" xmlns:r="http://schemas.openxmlformats.org/officeDocument/2006/relationships" xmlns:p="http://schemas.openxmlformats.org/presentationml/2006/main">
+  <p:cSld>
+    <p:spTree>
+      <p:nvGrpSpPr>
+        <p:cNvPr id="1" name=""/>
+        <p:cNvGrpSpPr/>
+        <p:nvPr/>
+      </p:nvGrpSpPr>
+      <p:grpSpPr>
+        <a:xfrm>
+          <a:off x="0" y="0"/>
+          <a:ext cx="0" cy="0"/>
+          <a:chOff x="0" y="0"/>
+          <a:chExt cx="0" cy="0"/>
+        </a:xfrm>
+      </p:grpSpPr>
+      <p:sp>
+        <p:nvSpPr>
+          <p:cNvPr id="131" name="Stored Procedures"/>
+          <p:cNvSpPr>
+            <a:spLocks noGrp="1"/>
+          </p:cNvSpPr>
+          <p:nvPr>
+            <p:ph type="title"/>
+          </p:nvPr>
+        </p:nvSpPr>
+        <p:spPr>
+          <a:prstGeom prst="rect">
+            <a:avLst/>
+          </a:prstGeom>
+        </p:spPr>
+        <p:txBody>
+          <a:bodyPr/>
+          <a:lstStyle/>
+          <a:p>
+            <a:r>
+              <a:rPr lang="en-US" dirty="0" smtClean="0"/>
+              <a:t>Triggers</a:t>
+            </a:r>
+            <a:endParaRPr dirty="0"/>
+          </a:p>
+        </p:txBody>
+      </p:sp>
+      <p:sp>
+        <p:nvSpPr>
+          <p:cNvPr id="132" name="GetPharamacyInventorywithLocation: IN varchar…"/>
+          <p:cNvSpPr>
+            <a:spLocks noGrp="1"/>
+          </p:cNvSpPr>
+          <p:nvPr>
+            <p:ph type="body" idx="1"/>
+          </p:nvPr>
+        </p:nvSpPr>
+        <p:spPr>
+          <a:prstGeom prst="rect">
+            <a:avLst/>
+          </a:prstGeom>
+        </p:spPr>
+        <p:txBody>
+          <a:bodyPr/>
+          <a:lstStyle/>
+          <a:p>
+            <a:r>
+              <a:rPr lang="en-US" dirty="0" err="1" smtClean="0"/>
+              <a:t>OperationDrug</a:t>
+            </a:r>
+            <a:r>
+              <a:rPr lang="en-US" dirty="0" smtClean="0"/>
+              <a:t>: Before insert/update, After insert/update</a:t>
+            </a:r>
+          </a:p>
+          <a:p>
+            <a:r>
+              <a:rPr lang="en-US" dirty="0" smtClean="0"/>
+              <a:t>Doctor: Before insert/update</a:t>
+            </a:r>
+          </a:p>
+          <a:p>
+            <a:r>
+              <a:rPr lang="en-US" dirty="0" smtClean="0"/>
+              <a:t>Nurse: Before insert/update</a:t>
+            </a:r>
+          </a:p>
+          <a:p>
+            <a:r>
+              <a:rPr lang="en-US" dirty="0" smtClean="0"/>
+              <a:t>Worker: Before insert/update</a:t>
+            </a:r>
+          </a:p>
+          <a:p>
+            <a:endParaRPr lang="en-US" dirty="0" smtClean="0"/>
+          </a:p>
+        </p:txBody>
+      </p:sp>
+    </p:spTree>
+    <p:extLst>
+      <p:ext uri="{BB962C8B-B14F-4D97-AF65-F5344CB8AC3E}">
+        <p14:creationId xmlns:p14="http://schemas.microsoft.com/office/powerpoint/2010/main" val="1185576998"/>
+      </p:ext>
+    </p:extLst>
+  </p:cSld>
+  <p:clrMapOvr>
+    <a:masterClrMapping/>
+  </p:clrMapOvr>
+  <p:transition spd="med"/>
+</p:sld>
+</file>
+
+<file path=ppt/slides/slide7.xml><?xml version="1.0" encoding="utf-8"?>
+<p:sld xmlns:a="http://schemas.openxmlformats.org/drawingml/2006/main" xmlns:r="http://schemas.openxmlformats.org/officeDocument/2006/relationships" xmlns:p="http://schemas.openxmlformats.org/presentationml/2006/main">
+  <p:cSld>
+    <p:spTree>
+      <p:nvGrpSpPr>
+        <p:cNvPr id="1" name=""/>
+        <p:cNvGrpSpPr/>
+        <p:nvPr/>
+      </p:nvGrpSpPr>
+      <p:grpSpPr>
+        <a:xfrm>
+          <a:off x="0" y="0"/>
+          <a:ext cx="0" cy="0"/>
+          <a:chOff x="0" y="0"/>
+          <a:chExt cx="0" cy="0"/>
+        </a:xfrm>
+      </p:grpSpPr>
+      <p:sp>
+        <p:nvSpPr>
+          <p:cNvPr id="131" name="Stored Procedures"/>
+          <p:cNvSpPr>
+            <a:spLocks noGrp="1"/>
+          </p:cNvSpPr>
+          <p:nvPr>
+            <p:ph type="title"/>
+          </p:nvPr>
+        </p:nvSpPr>
+        <p:spPr>
+          <a:prstGeom prst="rect">
+            <a:avLst/>
+          </a:prstGeom>
+        </p:spPr>
+        <p:txBody>
+          <a:bodyPr/>
+          <a:lstStyle/>
+          <a:p>
+            <a:r>
+              <a:t>Stored Procedures</a:t>
+            </a:r>
+          </a:p>
+        </p:txBody>
+      </p:sp>
+      <p:sp>
+        <p:nvSpPr>
+          <p:cNvPr id="132" name="GetPharamacyInventorywithLocation: IN varchar…"/>
+          <p:cNvSpPr>
+            <a:spLocks noGrp="1"/>
+          </p:cNvSpPr>
+          <p:nvPr>
+            <p:ph type="body" idx="1"/>
+          </p:nvPr>
+        </p:nvSpPr>
+        <p:spPr>
+          <a:prstGeom prst="rect">
+            <a:avLst/>
+          </a:prstGeom>
+        </p:spPr>
+        <p:txBody>
+          <a:bodyPr/>
+          <a:lstStyle/>
+          <a:p>
+            <a:r>
               <a:t>GetPharamacyInventorywithLocation: IN varchar</a:t>
             </a:r>
           </a:p>
@@ -3536,7 +3780,7 @@
 </p:sld>
 </file>
 
-<file path=ppt/slides/slide6.xml><?xml version="1.0" encoding="utf-8"?>
+<file path=ppt/slides/slide8.xml><?xml version="1.0" encoding="utf-8"?>
 <p:sld xmlns:a="http://schemas.openxmlformats.org/drawingml/2006/main" xmlns:r="http://schemas.openxmlformats.org/officeDocument/2006/relationships" xmlns:p="http://schemas.openxmlformats.org/presentationml/2006/main">
   <p:cSld>
     <p:spTree>

--- a/Presentation.pptx
+++ b/Presentation.pptx
@@ -3408,7 +3408,7 @@
       </p:sp>
       <p:pic>
         <p:nvPicPr>
-          <p:cNvPr id="129" name="EER.jpeg" descr="EER.jpeg"/>
+          <p:cNvPr id="129" name="EER.jpeg"/>
           <p:cNvPicPr>
             <a:picLocks noChangeAspect="1"/>
           </p:cNvPicPr>
@@ -3416,7 +3416,11 @@
         </p:nvPicPr>
         <p:blipFill>
           <a:blip r:embed="rId2">
-            <a:extLst/>
+            <a:extLst>
+              <a:ext uri="{28A0092B-C50C-407E-A947-70E740481C1C}">
+                <a14:useLocalDpi xmlns:a14="http://schemas.microsoft.com/office/drawing/2010/main" val="0"/>
+              </a:ext>
+            </a:extLst>
           </a:blip>
           <a:stretch>
             <a:fillRect/>
@@ -3424,8 +3428,8 @@
         </p:blipFill>
         <p:spPr>
           <a:xfrm>
-            <a:off x="1217487" y="2037909"/>
-            <a:ext cx="10569826" cy="7245282"/>
+            <a:off x="1731117" y="2037909"/>
+            <a:ext cx="9542566" cy="7245282"/>
           </a:xfrm>
           <a:prstGeom prst="rect">
             <a:avLst/>

--- a/Presentation.pptx
+++ b/Presentation.pptx
@@ -5,17 +5,18 @@
     <p:sldMasterId id="2147483648" r:id="rId1"/>
   </p:sldMasterIdLst>
   <p:notesMasterIdLst>
-    <p:notesMasterId r:id="rId10"/>
+    <p:notesMasterId r:id="rId11"/>
   </p:notesMasterIdLst>
   <p:sldIdLst>
     <p:sldId id="256" r:id="rId2"/>
-    <p:sldId id="257" r:id="rId3"/>
-    <p:sldId id="258" r:id="rId4"/>
-    <p:sldId id="259" r:id="rId5"/>
-    <p:sldId id="262" r:id="rId6"/>
-    <p:sldId id="263" r:id="rId7"/>
-    <p:sldId id="260" r:id="rId8"/>
-    <p:sldId id="261" r:id="rId9"/>
+    <p:sldId id="264" r:id="rId3"/>
+    <p:sldId id="257" r:id="rId4"/>
+    <p:sldId id="258" r:id="rId5"/>
+    <p:sldId id="259" r:id="rId6"/>
+    <p:sldId id="262" r:id="rId7"/>
+    <p:sldId id="263" r:id="rId8"/>
+    <p:sldId id="260" r:id="rId9"/>
+    <p:sldId id="261" r:id="rId10"/>
   </p:sldIdLst>
   <p:sldSz cx="13004800" cy="9753600"/>
   <p:notesSz cx="6858000" cy="9144000"/>
@@ -3197,8 +3198,10 @@
           <a:lstStyle/>
           <a:p>
             <a:r>
-              <a:t>Normalization Steps</a:t>
-            </a:r>
+              <a:rPr lang="en-US" dirty="0" smtClean="0"/>
+              <a:t>Description</a:t>
+            </a:r>
+            <a:endParaRPr dirty="0"/>
           </a:p>
         </p:txBody>
       </p:sp>
@@ -3222,6 +3225,97 @@
           <a:lstStyle/>
           <a:p>
             <a:r>
+              <a:rPr lang="en-US" dirty="0" smtClean="0"/>
+              <a:t>In this project, I developed a relational database system for hospital, users could use it to store records of patients, doctors, nurses, workers and departments, pharmacy, drugs and operations as entity with detailed information, together with tables to define their </a:t>
+            </a:r>
+            <a:r>
+              <a:rPr lang="en-US" dirty="0" err="1" smtClean="0"/>
+              <a:t>relatinships</a:t>
+            </a:r>
+            <a:r>
+              <a:rPr lang="en-US" dirty="0" smtClean="0"/>
+              <a:t>. The database has been normalized to meet 3NF. Besides, I have defined triggers and procedures for a better use.</a:t>
+            </a:r>
+            <a:endParaRPr dirty="0"/>
+          </a:p>
+        </p:txBody>
+      </p:sp>
+    </p:spTree>
+    <p:extLst>
+      <p:ext uri="{BB962C8B-B14F-4D97-AF65-F5344CB8AC3E}">
+        <p14:creationId xmlns:p14="http://schemas.microsoft.com/office/powerpoint/2010/main" val="1056001163"/>
+      </p:ext>
+    </p:extLst>
+  </p:cSld>
+  <p:clrMapOvr>
+    <a:masterClrMapping/>
+  </p:clrMapOvr>
+  <p:transition spd="med"/>
+</p:sld>
+</file>
+
+<file path=ppt/slides/slide3.xml><?xml version="1.0" encoding="utf-8"?>
+<p:sld xmlns:a="http://schemas.openxmlformats.org/drawingml/2006/main" xmlns:r="http://schemas.openxmlformats.org/officeDocument/2006/relationships" xmlns:p="http://schemas.openxmlformats.org/presentationml/2006/main">
+  <p:cSld>
+    <p:spTree>
+      <p:nvGrpSpPr>
+        <p:cNvPr id="1" name=""/>
+        <p:cNvGrpSpPr/>
+        <p:nvPr/>
+      </p:nvGrpSpPr>
+      <p:grpSpPr>
+        <a:xfrm>
+          <a:off x="0" y="0"/>
+          <a:ext cx="0" cy="0"/>
+          <a:chOff x="0" y="0"/>
+          <a:chExt cx="0" cy="0"/>
+        </a:xfrm>
+      </p:grpSpPr>
+      <p:sp>
+        <p:nvSpPr>
+          <p:cNvPr id="122" name="Normalization Steps"/>
+          <p:cNvSpPr>
+            <a:spLocks noGrp="1"/>
+          </p:cNvSpPr>
+          <p:nvPr>
+            <p:ph type="title"/>
+          </p:nvPr>
+        </p:nvSpPr>
+        <p:spPr>
+          <a:prstGeom prst="rect">
+            <a:avLst/>
+          </a:prstGeom>
+        </p:spPr>
+        <p:txBody>
+          <a:bodyPr/>
+          <a:lstStyle/>
+          <a:p>
+            <a:r>
+              <a:t>Normalization Steps</a:t>
+            </a:r>
+          </a:p>
+        </p:txBody>
+      </p:sp>
+      <p:sp>
+        <p:nvSpPr>
+          <p:cNvPr id="123" name="Define the major entities (tables) in 1NF…"/>
+          <p:cNvSpPr>
+            <a:spLocks noGrp="1"/>
+          </p:cNvSpPr>
+          <p:nvPr>
+            <p:ph type="body" idx="1"/>
+          </p:nvPr>
+        </p:nvSpPr>
+        <p:spPr>
+          <a:prstGeom prst="rect">
+            <a:avLst/>
+          </a:prstGeom>
+        </p:spPr>
+        <p:txBody>
+          <a:bodyPr/>
+          <a:lstStyle/>
+          <a:p>
+            <a:r>
               <a:rPr dirty="0"/>
               <a:t>Define the major entities (tables) in 1NF</a:t>
             </a:r>
@@ -3268,7 +3362,7 @@
 </p:sld>
 </file>
 
-<file path=ppt/slides/slide3.xml><?xml version="1.0" encoding="utf-8"?>
+<file path=ppt/slides/slide4.xml><?xml version="1.0" encoding="utf-8"?>
 <p:sld xmlns:a="http://schemas.openxmlformats.org/drawingml/2006/main" xmlns:r="http://schemas.openxmlformats.org/officeDocument/2006/relationships" xmlns:p="http://schemas.openxmlformats.org/presentationml/2006/main">
   <p:cSld>
     <p:spTree>
@@ -3356,7 +3450,7 @@
 </p:sld>
 </file>
 
-<file path=ppt/slides/slide4.xml><?xml version="1.0" encoding="utf-8"?>
+<file path=ppt/slides/slide5.xml><?xml version="1.0" encoding="utf-8"?>
 <p:sld xmlns:a="http://schemas.openxmlformats.org/drawingml/2006/main" xmlns:r="http://schemas.openxmlformats.org/officeDocument/2006/relationships" xmlns:p="http://schemas.openxmlformats.org/presentationml/2006/main">
   <p:cSld>
     <p:spTree>
@@ -3448,132 +3542,6 @@
 </p:sld>
 </file>
 
-<file path=ppt/slides/slide5.xml><?xml version="1.0" encoding="utf-8"?>
-<p:sld xmlns:a="http://schemas.openxmlformats.org/drawingml/2006/main" xmlns:r="http://schemas.openxmlformats.org/officeDocument/2006/relationships" xmlns:p="http://schemas.openxmlformats.org/presentationml/2006/main">
-  <p:cSld>
-    <p:spTree>
-      <p:nvGrpSpPr>
-        <p:cNvPr id="1" name=""/>
-        <p:cNvGrpSpPr/>
-        <p:nvPr/>
-      </p:nvGrpSpPr>
-      <p:grpSpPr>
-        <a:xfrm>
-          <a:off x="0" y="0"/>
-          <a:ext cx="0" cy="0"/>
-          <a:chOff x="0" y="0"/>
-          <a:chExt cx="0" cy="0"/>
-        </a:xfrm>
-      </p:grpSpPr>
-      <p:sp>
-        <p:nvSpPr>
-          <p:cNvPr id="131" name="Stored Procedures"/>
-          <p:cNvSpPr>
-            <a:spLocks noGrp="1"/>
-          </p:cNvSpPr>
-          <p:nvPr>
-            <p:ph type="title"/>
-          </p:nvPr>
-        </p:nvSpPr>
-        <p:spPr>
-          <a:prstGeom prst="rect">
-            <a:avLst/>
-          </a:prstGeom>
-        </p:spPr>
-        <p:txBody>
-          <a:bodyPr/>
-          <a:lstStyle/>
-          <a:p>
-            <a:r>
-              <a:rPr lang="en-US" dirty="0" smtClean="0"/>
-              <a:t>Triggers</a:t>
-            </a:r>
-            <a:endParaRPr dirty="0"/>
-          </a:p>
-        </p:txBody>
-      </p:sp>
-      <p:sp>
-        <p:nvSpPr>
-          <p:cNvPr id="132" name="GetPharamacyInventorywithLocation: IN varchar…"/>
-          <p:cNvSpPr>
-            <a:spLocks noGrp="1"/>
-          </p:cNvSpPr>
-          <p:nvPr>
-            <p:ph type="body" idx="1"/>
-          </p:nvPr>
-        </p:nvSpPr>
-        <p:spPr>
-          <a:prstGeom prst="rect">
-            <a:avLst/>
-          </a:prstGeom>
-        </p:spPr>
-        <p:txBody>
-          <a:bodyPr/>
-          <a:lstStyle/>
-          <a:p>
-            <a:r>
-              <a:rPr lang="en-US" dirty="0" err="1" smtClean="0"/>
-              <a:t>WorkInDepartment</a:t>
-            </a:r>
-            <a:r>
-              <a:rPr lang="en-US" dirty="0" smtClean="0"/>
-              <a:t>: Before insert/update</a:t>
-            </a:r>
-          </a:p>
-          <a:p>
-            <a:r>
-              <a:rPr lang="en-US" dirty="0" err="1" smtClean="0"/>
-              <a:t>WorkInPharmacy</a:t>
-            </a:r>
-            <a:r>
-              <a:rPr lang="en-US" dirty="0" smtClean="0"/>
-              <a:t>: Before insert/update</a:t>
-            </a:r>
-          </a:p>
-          <a:p>
-            <a:r>
-              <a:rPr lang="en-US" dirty="0" err="1" smtClean="0"/>
-              <a:t>ContactInfo</a:t>
-            </a:r>
-            <a:r>
-              <a:rPr lang="en-US" dirty="0" smtClean="0"/>
-              <a:t>: Before insert/update</a:t>
-            </a:r>
-          </a:p>
-          <a:p>
-            <a:r>
-              <a:rPr lang="en-US" dirty="0" smtClean="0"/>
-              <a:t>Diagnose: Before insert/update</a:t>
-            </a:r>
-          </a:p>
-          <a:p>
-            <a:r>
-              <a:rPr lang="en-US" dirty="0" smtClean="0"/>
-              <a:t>Nursing: Before insert/update</a:t>
-            </a:r>
-          </a:p>
-          <a:p>
-            <a:r>
-              <a:rPr lang="en-US" dirty="0" smtClean="0"/>
-              <a:t>Storage: Before insert/update, After insert/update</a:t>
-            </a:r>
-          </a:p>
-        </p:txBody>
-      </p:sp>
-    </p:spTree>
-    <p:extLst>
-      <p:ext uri="{BB962C8B-B14F-4D97-AF65-F5344CB8AC3E}">
-        <p14:creationId xmlns:p14="http://schemas.microsoft.com/office/powerpoint/2010/main" val="1187156686"/>
-      </p:ext>
-    </p:extLst>
-  </p:cSld>
-  <p:clrMapOvr>
-    <a:masterClrMapping/>
-  </p:clrMapOvr>
-  <p:transition spd="med"/>
-</p:sld>
-</file>
-
 <file path=ppt/slides/slide6.xml><?xml version="1.0" encoding="utf-8"?>
 <p:sld xmlns:a="http://schemas.openxmlformats.org/drawingml/2006/main" xmlns:r="http://schemas.openxmlformats.org/officeDocument/2006/relationships" xmlns:p="http://schemas.openxmlformats.org/presentationml/2006/main">
   <p:cSld>
@@ -3634,37 +3602,101 @@
           </a:prstGeom>
         </p:spPr>
         <p:txBody>
-          <a:bodyPr/>
+          <a:bodyPr>
+            <a:normAutofit fontScale="85000" lnSpcReduction="20000"/>
+          </a:bodyPr>
           <a:lstStyle/>
           <a:p>
             <a:r>
-              <a:rPr lang="en-US" dirty="0" err="1" smtClean="0"/>
-              <a:t>OperationDrug</a:t>
-            </a:r>
-            <a:r>
               <a:rPr lang="en-US" dirty="0" smtClean="0"/>
-              <a:t>: Before insert/update, After insert/update</a:t>
-            </a:r>
-          </a:p>
-          <a:p>
+              <a:t>Before insert/update on </a:t>
+            </a:r>
+            <a:r>
+              <a:rPr lang="en-US" altLang="zh-CN" dirty="0" err="1"/>
+              <a:t>WorkInDepartment</a:t>
+            </a:r>
+            <a:r>
+              <a:rPr lang="en-US" altLang="zh-CN" dirty="0" smtClean="0"/>
+              <a:t>:</a:t>
+            </a:r>
             <a:r>
               <a:rPr lang="en-US" dirty="0" smtClean="0"/>
-              <a:t>Doctor: Before insert/update</a:t>
+              <a:t> check if the inserted/updated worker can work in the department</a:t>
             </a:r>
           </a:p>
           <a:p>
             <a:r>
               <a:rPr lang="en-US" dirty="0" smtClean="0"/>
-              <a:t>Nurse: Before insert/update</a:t>
-            </a:r>
-          </a:p>
-          <a:p>
+              <a:t>Before insert/update on </a:t>
+            </a:r>
+            <a:r>
+              <a:rPr lang="en-US" altLang="zh-CN" dirty="0" err="1"/>
+              <a:t>WorkInPharmacy</a:t>
+            </a:r>
+            <a:r>
+              <a:rPr lang="en-US" altLang="zh-CN" dirty="0" smtClean="0"/>
+              <a:t>:</a:t>
+            </a:r>
             <a:r>
               <a:rPr lang="en-US" dirty="0" smtClean="0"/>
-              <a:t>Worker: Before insert/update</a:t>
-            </a:r>
-          </a:p>
-          <a:p>
+              <a:t> check if the inserted/updated worker can work in the pharmacy</a:t>
+            </a:r>
+          </a:p>
+          <a:p>
+            <a:r>
+              <a:rPr lang="en-US" dirty="0" smtClean="0"/>
+              <a:t>Before insert/update on </a:t>
+            </a:r>
+            <a:r>
+              <a:rPr lang="en-US" altLang="zh-CN" dirty="0" err="1"/>
+              <a:t>ContactInfo</a:t>
+            </a:r>
+            <a:r>
+              <a:rPr lang="en-US" altLang="zh-CN" dirty="0" smtClean="0"/>
+              <a:t>:</a:t>
+            </a:r>
+            <a:r>
+              <a:rPr lang="en-US" dirty="0" smtClean="0"/>
+              <a:t> check if the new email address satisfies the correct form</a:t>
+            </a:r>
+            <a:endParaRPr lang="en-US" dirty="0" smtClean="0"/>
+          </a:p>
+          <a:p>
+            <a:r>
+              <a:rPr lang="en-US" dirty="0" smtClean="0"/>
+              <a:t>Before insert/update on </a:t>
+            </a:r>
+            <a:r>
+              <a:rPr lang="en-US" altLang="zh-CN" dirty="0"/>
+              <a:t>Diagnose</a:t>
+            </a:r>
+            <a:r>
+              <a:rPr lang="en-US" altLang="zh-CN" dirty="0" smtClean="0"/>
+              <a:t>:</a:t>
+            </a:r>
+            <a:r>
+              <a:rPr lang="en-US" dirty="0" smtClean="0"/>
+              <a:t> check if the doctor and the patient are in the same inpatient status</a:t>
+            </a:r>
+            <a:endParaRPr lang="en-US" dirty="0" smtClean="0"/>
+          </a:p>
+          <a:p>
+            <a:r>
+              <a:rPr lang="en-US" dirty="0" smtClean="0"/>
+              <a:t>Before insert/update </a:t>
+            </a:r>
+            <a:r>
+              <a:rPr lang="en-US" altLang="zh-CN" dirty="0"/>
+              <a:t>Nursing</a:t>
+            </a:r>
+            <a:r>
+              <a:rPr lang="en-US" altLang="zh-CN" dirty="0" smtClean="0"/>
+              <a:t>:</a:t>
+            </a:r>
+            <a:r>
+              <a:rPr lang="en-US" dirty="0" smtClean="0"/>
+              <a:t> check if the nurse and the patient are in the same inpatient status</a:t>
+            </a:r>
             <a:endParaRPr lang="en-US" dirty="0" smtClean="0"/>
           </a:p>
         </p:txBody>
@@ -3672,7 +3704,7 @@
     </p:spTree>
     <p:extLst>
       <p:ext uri="{BB962C8B-B14F-4D97-AF65-F5344CB8AC3E}">
-        <p14:creationId xmlns:p14="http://schemas.microsoft.com/office/powerpoint/2010/main" val="1185576998"/>
+        <p14:creationId xmlns:p14="http://schemas.microsoft.com/office/powerpoint/2010/main" val="1187156686"/>
       </p:ext>
     </p:extLst>
   </p:cSld>
@@ -3720,8 +3752,10 @@
           <a:lstStyle/>
           <a:p>
             <a:r>
-              <a:t>Stored Procedures</a:t>
-            </a:r>
+              <a:rPr lang="en-US" dirty="0" smtClean="0"/>
+              <a:t>Triggers</a:t>
+            </a:r>
+            <a:endParaRPr dirty="0"/>
           </a:p>
         </p:txBody>
       </p:sp>
@@ -3741,37 +3775,339 @@
           </a:prstGeom>
         </p:spPr>
         <p:txBody>
+          <a:bodyPr>
+            <a:normAutofit fontScale="70000" lnSpcReduction="20000"/>
+          </a:bodyPr>
+          <a:lstStyle/>
+          <a:p>
+            <a:r>
+              <a:rPr lang="en-US" altLang="zh-CN" dirty="0"/>
+              <a:t>Before insert/update on Storage: After insert/update, check if the new drug storage information applies to current inventory, and update inventory after </a:t>
+            </a:r>
+            <a:r>
+              <a:rPr lang="en-US" altLang="zh-CN" dirty="0" smtClean="0"/>
+              <a:t>change</a:t>
+            </a:r>
+            <a:endParaRPr lang="en-US" dirty="0" smtClean="0"/>
+          </a:p>
+          <a:p>
+            <a:r>
+              <a:rPr lang="en-US" dirty="0" smtClean="0"/>
+              <a:t>Before insert/update on </a:t>
+            </a:r>
+            <a:r>
+              <a:rPr lang="en-US" altLang="zh-CN" dirty="0" err="1"/>
+              <a:t>OperationDrug</a:t>
+            </a:r>
+            <a:r>
+              <a:rPr lang="en-US" altLang="zh-CN" dirty="0" smtClean="0"/>
+              <a:t>:</a:t>
+            </a:r>
+            <a:r>
+              <a:rPr lang="en-US" dirty="0" smtClean="0"/>
+              <a:t> After insert/update, </a:t>
+            </a:r>
+            <a:r>
+              <a:rPr lang="en-US" altLang="zh-CN" dirty="0"/>
+              <a:t>check if the new drug </a:t>
+            </a:r>
+            <a:r>
+              <a:rPr lang="en-US" altLang="zh-CN" dirty="0" smtClean="0"/>
+              <a:t>used in operation information </a:t>
+            </a:r>
+            <a:r>
+              <a:rPr lang="en-US" altLang="zh-CN" dirty="0"/>
+              <a:t>applies to current </a:t>
+            </a:r>
+            <a:r>
+              <a:rPr lang="en-US" altLang="zh-CN" dirty="0" smtClean="0"/>
+              <a:t>inventory, and </a:t>
+            </a:r>
+            <a:r>
+              <a:rPr lang="en-US" altLang="zh-CN" dirty="0"/>
+              <a:t>update inventory after change</a:t>
+            </a:r>
+          </a:p>
+          <a:p>
+            <a:r>
+              <a:rPr lang="en-US" dirty="0" smtClean="0"/>
+              <a:t>Before insert/update on </a:t>
+            </a:r>
+            <a:r>
+              <a:rPr lang="en-US" altLang="zh-CN" dirty="0"/>
+              <a:t>Doctor</a:t>
+            </a:r>
+            <a:r>
+              <a:rPr lang="en-US" altLang="zh-CN" dirty="0" smtClean="0"/>
+              <a:t>:</a:t>
+            </a:r>
+            <a:r>
+              <a:rPr lang="en-US" dirty="0" smtClean="0"/>
+              <a:t> check if the doctor satisfy his own person status, that is he can only be a doctor</a:t>
+            </a:r>
+            <a:endParaRPr lang="en-US" dirty="0" smtClean="0"/>
+          </a:p>
+          <a:p>
+            <a:r>
+              <a:rPr lang="en-US" dirty="0" smtClean="0"/>
+              <a:t>Before insert/update on </a:t>
+            </a:r>
+            <a:r>
+              <a:rPr lang="en-US" altLang="zh-CN" dirty="0"/>
+              <a:t>Nurse</a:t>
+            </a:r>
+            <a:r>
+              <a:rPr lang="en-US" altLang="zh-CN" dirty="0" smtClean="0"/>
+              <a:t>: </a:t>
+            </a:r>
+            <a:r>
+              <a:rPr lang="en-US" altLang="zh-CN" dirty="0"/>
+              <a:t>check if the doctor satisfy his own person status, that is he can only be a </a:t>
+            </a:r>
+            <a:r>
+              <a:rPr lang="en-US" altLang="zh-CN" dirty="0" smtClean="0"/>
+              <a:t>doctor</a:t>
+            </a:r>
+            <a:endParaRPr lang="en-US" dirty="0" smtClean="0"/>
+          </a:p>
+          <a:p>
+            <a:r>
+              <a:rPr lang="en-US" dirty="0" smtClean="0"/>
+              <a:t>Before insert/update on </a:t>
+            </a:r>
+            <a:r>
+              <a:rPr lang="en-US" altLang="zh-CN" dirty="0"/>
+              <a:t>Worker</a:t>
+            </a:r>
+            <a:r>
+              <a:rPr lang="en-US" altLang="zh-CN" dirty="0" smtClean="0"/>
+              <a:t>: </a:t>
+            </a:r>
+            <a:r>
+              <a:rPr lang="en-US" altLang="zh-CN" dirty="0"/>
+              <a:t>check if the doctor satisfy his own person status, that is he can only be a </a:t>
+            </a:r>
+            <a:r>
+              <a:rPr lang="en-US" altLang="zh-CN" dirty="0" smtClean="0"/>
+              <a:t>doctor</a:t>
+            </a:r>
+            <a:endParaRPr lang="en-US" altLang="zh-CN" dirty="0"/>
+          </a:p>
+        </p:txBody>
+      </p:sp>
+    </p:spTree>
+    <p:extLst>
+      <p:ext uri="{BB962C8B-B14F-4D97-AF65-F5344CB8AC3E}">
+        <p14:creationId xmlns:p14="http://schemas.microsoft.com/office/powerpoint/2010/main" val="1185576998"/>
+      </p:ext>
+    </p:extLst>
+  </p:cSld>
+  <p:clrMapOvr>
+    <a:masterClrMapping/>
+  </p:clrMapOvr>
+  <p:transition spd="med"/>
+</p:sld>
+</file>
+
+<file path=ppt/slides/slide8.xml><?xml version="1.0" encoding="utf-8"?>
+<p:sld xmlns:a="http://schemas.openxmlformats.org/drawingml/2006/main" xmlns:r="http://schemas.openxmlformats.org/officeDocument/2006/relationships" xmlns:p="http://schemas.openxmlformats.org/presentationml/2006/main">
+  <p:cSld>
+    <p:spTree>
+      <p:nvGrpSpPr>
+        <p:cNvPr id="1" name=""/>
+        <p:cNvGrpSpPr/>
+        <p:nvPr/>
+      </p:nvGrpSpPr>
+      <p:grpSpPr>
+        <a:xfrm>
+          <a:off x="0" y="0"/>
+          <a:ext cx="0" cy="0"/>
+          <a:chOff x="0" y="0"/>
+          <a:chExt cx="0" cy="0"/>
+        </a:xfrm>
+      </p:grpSpPr>
+      <p:sp>
+        <p:nvSpPr>
+          <p:cNvPr id="131" name="Stored Procedures"/>
+          <p:cNvSpPr>
+            <a:spLocks noGrp="1"/>
+          </p:cNvSpPr>
+          <p:nvPr>
+            <p:ph type="title"/>
+          </p:nvPr>
+        </p:nvSpPr>
+        <p:spPr>
+          <a:prstGeom prst="rect">
+            <a:avLst/>
+          </a:prstGeom>
+        </p:spPr>
+        <p:txBody>
           <a:bodyPr/>
           <a:lstStyle/>
           <a:p>
             <a:r>
-              <a:t>GetPharamacyInventorywithLocation: IN varchar</a:t>
-            </a:r>
-          </a:p>
-          <a:p>
-            <a:r>
-              <a:t>GetPersonDetailswithName: IN varchar, varchar</a:t>
-            </a:r>
-          </a:p>
-          <a:p>
-            <a:r>
-              <a:t>GetPatientHistorywithID: IN int</a:t>
-            </a:r>
-          </a:p>
-          <a:p>
-            <a:r>
-              <a:t>GetOperationDrugswithPatientID: IN int</a:t>
-            </a:r>
-          </a:p>
-          <a:p>
-            <a:r>
-              <a:t>GetNurseDetailswithName: IN varchar, varchar</a:t>
-            </a:r>
-          </a:p>
-          <a:p>
-            <a:r>
-              <a:t>GetDoctorDetailswithName: IN varchar, varchar</a:t>
-            </a:r>
+              <a:t>Stored Procedures</a:t>
+            </a:r>
+          </a:p>
+        </p:txBody>
+      </p:sp>
+      <p:sp>
+        <p:nvSpPr>
+          <p:cNvPr id="132" name="GetPharamacyInventorywithLocation: IN varchar…"/>
+          <p:cNvSpPr>
+            <a:spLocks noGrp="1"/>
+          </p:cNvSpPr>
+          <p:nvPr>
+            <p:ph type="body" idx="1"/>
+          </p:nvPr>
+        </p:nvSpPr>
+        <p:spPr>
+          <a:prstGeom prst="rect">
+            <a:avLst/>
+          </a:prstGeom>
+        </p:spPr>
+        <p:txBody>
+          <a:bodyPr>
+            <a:normAutofit fontScale="70000" lnSpcReduction="20000"/>
+          </a:bodyPr>
+          <a:lstStyle/>
+          <a:p>
+            <a:r>
+              <a:rPr dirty="0" smtClean="0"/>
+              <a:t>GetPharamacyInventorywithLocation</a:t>
+            </a:r>
+            <a:r>
+              <a:rPr lang="en-US" dirty="0" smtClean="0"/>
+              <a:t>(</a:t>
+            </a:r>
+            <a:r>
+              <a:rPr dirty="0" smtClean="0"/>
+              <a:t>varchar</a:t>
+            </a:r>
+            <a:r>
+              <a:rPr lang="en-US" dirty="0" smtClean="0"/>
+              <a:t>): get a table of a pharmacy’s inventory with given location</a:t>
+            </a:r>
+            <a:endParaRPr dirty="0"/>
+          </a:p>
+          <a:p>
+            <a:r>
+              <a:rPr dirty="0" smtClean="0"/>
+              <a:t>GetPersonDetailswithName</a:t>
+            </a:r>
+            <a:r>
+              <a:rPr lang="en-US" dirty="0" smtClean="0"/>
+              <a:t>(</a:t>
+            </a:r>
+            <a:r>
+              <a:rPr dirty="0" smtClean="0"/>
+              <a:t>varchar</a:t>
+            </a:r>
+            <a:r>
+              <a:rPr dirty="0"/>
+              <a:t>, </a:t>
+            </a:r>
+            <a:r>
+              <a:rPr dirty="0" smtClean="0"/>
+              <a:t>varchar</a:t>
+            </a:r>
+            <a:r>
+              <a:rPr lang="en-US" dirty="0" smtClean="0"/>
+              <a:t>): get a person’s information with his full name</a:t>
+            </a:r>
+            <a:endParaRPr dirty="0"/>
+          </a:p>
+          <a:p>
+            <a:r>
+              <a:rPr dirty="0" smtClean="0"/>
+              <a:t>GetPatientHistorywithID</a:t>
+            </a:r>
+            <a:r>
+              <a:rPr lang="en-US" dirty="0" smtClean="0"/>
+              <a:t>(</a:t>
+            </a:r>
+            <a:r>
+              <a:rPr dirty="0" smtClean="0"/>
+              <a:t>int</a:t>
+            </a:r>
+            <a:r>
+              <a:rPr lang="en-US" dirty="0" smtClean="0"/>
+              <a:t>): get a patient’s history with his patient_ID</a:t>
+            </a:r>
+            <a:endParaRPr dirty="0"/>
+          </a:p>
+          <a:p>
+            <a:r>
+              <a:rPr dirty="0" smtClean="0"/>
+              <a:t>GetOperationDrugswithPatientID</a:t>
+            </a:r>
+            <a:r>
+              <a:rPr lang="en-US" dirty="0" smtClean="0"/>
+              <a:t>(</a:t>
+            </a:r>
+            <a:r>
+              <a:rPr dirty="0" smtClean="0"/>
+              <a:t>int</a:t>
+            </a:r>
+            <a:r>
+              <a:rPr lang="en-US" dirty="0" smtClean="0"/>
+              <a:t>): get drug usage detail in an operation with the patient_ID</a:t>
+            </a:r>
+            <a:endParaRPr dirty="0"/>
+          </a:p>
+          <a:p>
+            <a:r>
+              <a:rPr dirty="0" smtClean="0"/>
+              <a:t>GetNurseDetailswithName</a:t>
+            </a:r>
+            <a:r>
+              <a:rPr lang="en-US" dirty="0" smtClean="0"/>
+              <a:t>(</a:t>
+            </a:r>
+            <a:r>
+              <a:rPr dirty="0" smtClean="0"/>
+              <a:t>varchar</a:t>
+            </a:r>
+            <a:r>
+              <a:rPr dirty="0"/>
+              <a:t>, </a:t>
+            </a:r>
+            <a:r>
+              <a:rPr dirty="0" smtClean="0"/>
+              <a:t>varchar</a:t>
+            </a:r>
+            <a:r>
+              <a:rPr lang="en-US" dirty="0" smtClean="0"/>
+              <a:t>): get a nurse’s detailed information with his full name</a:t>
+            </a:r>
+            <a:endParaRPr dirty="0"/>
+          </a:p>
+          <a:p>
+            <a:r>
+              <a:rPr smtClean="0"/>
+              <a:t>GetDoctorDetailswithName</a:t>
+            </a:r>
+            <a:r>
+              <a:rPr lang="en-US" smtClean="0"/>
+              <a:t>(</a:t>
+            </a:r>
+            <a:r>
+              <a:rPr smtClean="0"/>
+              <a:t>varchar</a:t>
+            </a:r>
+            <a:r>
+              <a:rPr/>
+              <a:t>, </a:t>
+            </a:r>
+            <a:r>
+              <a:rPr smtClean="0"/>
+              <a:t>varchar</a:t>
+            </a:r>
+            <a:r>
+              <a:rPr lang="en-US" smtClean="0"/>
+              <a:t>): get a doctor;s detailed information with his full name</a:t>
+            </a:r>
+            <a:endParaRPr dirty="0"/>
           </a:p>
         </p:txBody>
       </p:sp>
@@ -3784,7 +4120,7 @@
 </p:sld>
 </file>
 
-<file path=ppt/slides/slide8.xml><?xml version="1.0" encoding="utf-8"?>
+<file path=ppt/slides/slide9.xml><?xml version="1.0" encoding="utf-8"?>
 <p:sld xmlns:a="http://schemas.openxmlformats.org/drawingml/2006/main" xmlns:r="http://schemas.openxmlformats.org/officeDocument/2006/relationships" xmlns:p="http://schemas.openxmlformats.org/presentationml/2006/main">
   <p:cSld>
     <p:spTree>
